--- a/docs/presentacion.pptx
+++ b/docs/presentacion.pptx
@@ -7,9 +7,33 @@
   <p:sldIdLst>
     <p:sldId id="256" r:id="rId2"/>
     <p:sldId id="257" r:id="rId3"/>
-    <p:sldId id="258" r:id="rId4"/>
-    <p:sldId id="259" r:id="rId5"/>
-    <p:sldId id="260" r:id="rId6"/>
+    <p:sldId id="261" r:id="rId4"/>
+    <p:sldId id="258" r:id="rId5"/>
+    <p:sldId id="262" r:id="rId6"/>
+    <p:sldId id="263" r:id="rId7"/>
+    <p:sldId id="264" r:id="rId8"/>
+    <p:sldId id="265" r:id="rId9"/>
+    <p:sldId id="266" r:id="rId10"/>
+    <p:sldId id="267" r:id="rId11"/>
+    <p:sldId id="268" r:id="rId12"/>
+    <p:sldId id="272" r:id="rId13"/>
+    <p:sldId id="259" r:id="rId14"/>
+    <p:sldId id="269" r:id="rId15"/>
+    <p:sldId id="274" r:id="rId16"/>
+    <p:sldId id="273" r:id="rId17"/>
+    <p:sldId id="260" r:id="rId18"/>
+    <p:sldId id="270" r:id="rId19"/>
+    <p:sldId id="271" r:id="rId20"/>
+    <p:sldId id="275" r:id="rId21"/>
+    <p:sldId id="276" r:id="rId22"/>
+    <p:sldId id="277" r:id="rId23"/>
+    <p:sldId id="278" r:id="rId24"/>
+    <p:sldId id="279" r:id="rId25"/>
+    <p:sldId id="280" r:id="rId26"/>
+    <p:sldId id="283" r:id="rId27"/>
+    <p:sldId id="281" r:id="rId28"/>
+    <p:sldId id="282" r:id="rId29"/>
+    <p:sldId id="284" r:id="rId30"/>
   </p:sldIdLst>
   <p:sldSz cx="9144000" cy="6858000" type="screen4x3"/>
   <p:notesSz cx="6858000" cy="9144000"/>
@@ -305,7 +329,7 @@
           <a:p>
             <a:fld id="{56CB6F5B-D426-4BAC-B7D1-CB4F617139A6}" type="datetimeFigureOut">
               <a:rPr lang="es-ES" smtClean="0"/>
-              <a:t>02/09/2015</a:t>
+              <a:t>08/09/2015</a:t>
             </a:fld>
             <a:endParaRPr lang="es-ES"/>
           </a:p>
@@ -658,7 +682,7 @@
           <a:p>
             <a:fld id="{56CB6F5B-D426-4BAC-B7D1-CB4F617139A6}" type="datetimeFigureOut">
               <a:rPr lang="es-ES" smtClean="0"/>
-              <a:t>02/09/2015</a:t>
+              <a:t>08/09/2015</a:t>
             </a:fld>
             <a:endParaRPr lang="es-ES"/>
           </a:p>
@@ -833,7 +857,7 @@
           <a:p>
             <a:fld id="{56CB6F5B-D426-4BAC-B7D1-CB4F617139A6}" type="datetimeFigureOut">
               <a:rPr lang="es-ES" smtClean="0"/>
-              <a:t>02/09/2015</a:t>
+              <a:t>08/09/2015</a:t>
             </a:fld>
             <a:endParaRPr lang="es-ES"/>
           </a:p>
@@ -946,7 +970,7 @@
           <a:p>
             <a:fld id="{56CB6F5B-D426-4BAC-B7D1-CB4F617139A6}" type="datetimeFigureOut">
               <a:rPr lang="es-ES" smtClean="0"/>
-              <a:t>02/09/2015</a:t>
+              <a:t>08/09/2015</a:t>
             </a:fld>
             <a:endParaRPr lang="es-ES"/>
           </a:p>
@@ -1304,7 +1328,7 @@
           <a:p>
             <a:fld id="{56CB6F5B-D426-4BAC-B7D1-CB4F617139A6}" type="datetimeFigureOut">
               <a:rPr lang="es-ES" smtClean="0"/>
-              <a:t>02/09/2015</a:t>
+              <a:t>08/09/2015</a:t>
             </a:fld>
             <a:endParaRPr lang="es-ES"/>
           </a:p>
@@ -1569,7 +1593,7 @@
           <a:p>
             <a:fld id="{56CB6F5B-D426-4BAC-B7D1-CB4F617139A6}" type="datetimeFigureOut">
               <a:rPr lang="es-ES" smtClean="0"/>
-              <a:t>02/09/2015</a:t>
+              <a:t>08/09/2015</a:t>
             </a:fld>
             <a:endParaRPr lang="es-ES"/>
           </a:p>
@@ -1931,7 +1955,7 @@
           <a:p>
             <a:fld id="{56CB6F5B-D426-4BAC-B7D1-CB4F617139A6}" type="datetimeFigureOut">
               <a:rPr lang="es-ES" smtClean="0"/>
-              <a:t>02/09/2015</a:t>
+              <a:t>08/09/2015</a:t>
             </a:fld>
             <a:endParaRPr lang="es-ES"/>
           </a:p>
@@ -2158,7 +2182,7 @@
           <a:p>
             <a:fld id="{56CB6F5B-D426-4BAC-B7D1-CB4F617139A6}" type="datetimeFigureOut">
               <a:rPr lang="es-ES" smtClean="0"/>
-              <a:t>02/09/2015</a:t>
+              <a:t>08/09/2015</a:t>
             </a:fld>
             <a:endParaRPr lang="es-ES"/>
           </a:p>
@@ -2248,7 +2272,7 @@
           <a:p>
             <a:fld id="{56CB6F5B-D426-4BAC-B7D1-CB4F617139A6}" type="datetimeFigureOut">
               <a:rPr lang="es-ES" smtClean="0"/>
-              <a:t>02/09/2015</a:t>
+              <a:t>08/09/2015</a:t>
             </a:fld>
             <a:endParaRPr lang="es-ES"/>
           </a:p>
@@ -2515,7 +2539,7 @@
           <a:p>
             <a:fld id="{56CB6F5B-D426-4BAC-B7D1-CB4F617139A6}" type="datetimeFigureOut">
               <a:rPr lang="es-ES" smtClean="0"/>
-              <a:t>02/09/2015</a:t>
+              <a:t>08/09/2015</a:t>
             </a:fld>
             <a:endParaRPr lang="es-ES"/>
           </a:p>
@@ -2743,7 +2767,7 @@
           <a:p>
             <a:fld id="{56CB6F5B-D426-4BAC-B7D1-CB4F617139A6}" type="datetimeFigureOut">
               <a:rPr lang="es-ES" smtClean="0"/>
-              <a:t>02/09/2015</a:t>
+              <a:t>08/09/2015</a:t>
             </a:fld>
             <a:endParaRPr lang="es-ES"/>
           </a:p>
@@ -3242,7 +3266,7 @@
           <a:p>
             <a:fld id="{56CB6F5B-D426-4BAC-B7D1-CB4F617139A6}" type="datetimeFigureOut">
               <a:rPr lang="es-ES" smtClean="0"/>
-              <a:t>02/09/2015</a:t>
+              <a:t>08/09/2015</a:t>
             </a:fld>
             <a:endParaRPr lang="es-ES"/>
           </a:p>
@@ -3717,6 +3741,953 @@
 </p:sld>
 </file>
 
+<file path=ppt/slides/slide10.xml><?xml version="1.0" encoding="utf-8"?>
+<p:sld xmlns:a="http://schemas.openxmlformats.org/drawingml/2006/main" xmlns:r="http://schemas.openxmlformats.org/officeDocument/2006/relationships" xmlns:p="http://schemas.openxmlformats.org/presentationml/2006/main">
+  <p:cSld>
+    <p:spTree>
+      <p:nvGrpSpPr>
+        <p:cNvPr id="1" name=""/>
+        <p:cNvGrpSpPr/>
+        <p:nvPr/>
+      </p:nvGrpSpPr>
+      <p:grpSpPr>
+        <a:xfrm>
+          <a:off x="0" y="0"/>
+          <a:ext cx="0" cy="0"/>
+          <a:chOff x="0" y="0"/>
+          <a:chExt cx="0" cy="0"/>
+        </a:xfrm>
+      </p:grpSpPr>
+      <p:sp>
+        <p:nvSpPr>
+          <p:cNvPr id="2" name="1 Título"/>
+          <p:cNvSpPr>
+            <a:spLocks noGrp="1"/>
+          </p:cNvSpPr>
+          <p:nvPr>
+            <p:ph type="title"/>
+          </p:nvPr>
+        </p:nvSpPr>
+        <p:spPr/>
+        <p:txBody>
+          <a:bodyPr/>
+          <a:lstStyle/>
+          <a:p>
+            <a:r>
+              <a:rPr lang="es-ES" dirty="0" smtClean="0"/>
+              <a:t>Operador de mutación</a:t>
+            </a:r>
+            <a:endParaRPr lang="es-ES" dirty="0"/>
+          </a:p>
+        </p:txBody>
+      </p:sp>
+      <p:sp>
+        <p:nvSpPr>
+          <p:cNvPr id="3" name="2 Marcador de contenido"/>
+          <p:cNvSpPr>
+            <a:spLocks noGrp="1"/>
+          </p:cNvSpPr>
+          <p:nvPr>
+            <p:ph sz="quarter" idx="1"/>
+          </p:nvPr>
+        </p:nvSpPr>
+        <p:spPr/>
+        <p:txBody>
+          <a:bodyPr/>
+          <a:lstStyle/>
+          <a:p>
+            <a:endParaRPr lang="es-ES"/>
+          </a:p>
+        </p:txBody>
+      </p:sp>
+    </p:spTree>
+    <p:extLst>
+      <p:ext uri="{BB962C8B-B14F-4D97-AF65-F5344CB8AC3E}">
+        <p14:creationId xmlns:p14="http://schemas.microsoft.com/office/powerpoint/2010/main" val="1668986997"/>
+      </p:ext>
+    </p:extLst>
+  </p:cSld>
+  <p:clrMapOvr>
+    <a:masterClrMapping/>
+  </p:clrMapOvr>
+</p:sld>
+</file>
+
+<file path=ppt/slides/slide11.xml><?xml version="1.0" encoding="utf-8"?>
+<p:sld xmlns:a="http://schemas.openxmlformats.org/drawingml/2006/main" xmlns:r="http://schemas.openxmlformats.org/officeDocument/2006/relationships" xmlns:p="http://schemas.openxmlformats.org/presentationml/2006/main">
+  <p:cSld>
+    <p:spTree>
+      <p:nvGrpSpPr>
+        <p:cNvPr id="1" name=""/>
+        <p:cNvGrpSpPr/>
+        <p:nvPr/>
+      </p:nvGrpSpPr>
+      <p:grpSpPr>
+        <a:xfrm>
+          <a:off x="0" y="0"/>
+          <a:ext cx="0" cy="0"/>
+          <a:chOff x="0" y="0"/>
+          <a:chExt cx="0" cy="0"/>
+        </a:xfrm>
+      </p:grpSpPr>
+      <p:sp>
+        <p:nvSpPr>
+          <p:cNvPr id="2" name="1 Título"/>
+          <p:cNvSpPr>
+            <a:spLocks noGrp="1"/>
+          </p:cNvSpPr>
+          <p:nvPr>
+            <p:ph type="title"/>
+          </p:nvPr>
+        </p:nvSpPr>
+        <p:spPr/>
+        <p:txBody>
+          <a:bodyPr>
+            <a:normAutofit fontScale="90000"/>
+          </a:bodyPr>
+          <a:lstStyle/>
+          <a:p>
+            <a:r>
+              <a:rPr lang="es-ES" dirty="0" smtClean="0"/>
+              <a:t>Ventajas y limitaciones de los algoritmos genéticos</a:t>
+            </a:r>
+            <a:endParaRPr lang="es-ES" dirty="0"/>
+          </a:p>
+        </p:txBody>
+      </p:sp>
+      <p:sp>
+        <p:nvSpPr>
+          <p:cNvPr id="3" name="2 Marcador de contenido"/>
+          <p:cNvSpPr>
+            <a:spLocks noGrp="1"/>
+          </p:cNvSpPr>
+          <p:nvPr>
+            <p:ph sz="quarter" idx="1"/>
+          </p:nvPr>
+        </p:nvSpPr>
+        <p:spPr/>
+        <p:txBody>
+          <a:bodyPr/>
+          <a:lstStyle/>
+          <a:p>
+            <a:endParaRPr lang="es-ES"/>
+          </a:p>
+        </p:txBody>
+      </p:sp>
+    </p:spTree>
+    <p:extLst>
+      <p:ext uri="{BB962C8B-B14F-4D97-AF65-F5344CB8AC3E}">
+        <p14:creationId xmlns:p14="http://schemas.microsoft.com/office/powerpoint/2010/main" val="4006447150"/>
+      </p:ext>
+    </p:extLst>
+  </p:cSld>
+  <p:clrMapOvr>
+    <a:masterClrMapping/>
+  </p:clrMapOvr>
+</p:sld>
+</file>
+
+<file path=ppt/slides/slide12.xml><?xml version="1.0" encoding="utf-8"?>
+<p:sld xmlns:a="http://schemas.openxmlformats.org/drawingml/2006/main" xmlns:r="http://schemas.openxmlformats.org/officeDocument/2006/relationships" xmlns:p="http://schemas.openxmlformats.org/presentationml/2006/main">
+  <p:cSld>
+    <p:spTree>
+      <p:nvGrpSpPr>
+        <p:cNvPr id="1" name=""/>
+        <p:cNvGrpSpPr/>
+        <p:nvPr/>
+      </p:nvGrpSpPr>
+      <p:grpSpPr>
+        <a:xfrm>
+          <a:off x="0" y="0"/>
+          <a:ext cx="0" cy="0"/>
+          <a:chOff x="0" y="0"/>
+          <a:chExt cx="0" cy="0"/>
+        </a:xfrm>
+      </p:grpSpPr>
+      <p:sp>
+        <p:nvSpPr>
+          <p:cNvPr id="2" name="1 Título"/>
+          <p:cNvSpPr>
+            <a:spLocks noGrp="1"/>
+          </p:cNvSpPr>
+          <p:nvPr>
+            <p:ph type="title"/>
+          </p:nvPr>
+        </p:nvSpPr>
+        <p:spPr/>
+        <p:txBody>
+          <a:bodyPr/>
+          <a:lstStyle/>
+          <a:p>
+            <a:r>
+              <a:rPr lang="es-ES" dirty="0" smtClean="0"/>
+              <a:t>Posibles soluciones</a:t>
+            </a:r>
+            <a:endParaRPr lang="es-ES" dirty="0"/>
+          </a:p>
+        </p:txBody>
+      </p:sp>
+      <p:sp>
+        <p:nvSpPr>
+          <p:cNvPr id="3" name="2 Marcador de contenido"/>
+          <p:cNvSpPr>
+            <a:spLocks noGrp="1"/>
+          </p:cNvSpPr>
+          <p:nvPr>
+            <p:ph sz="quarter" idx="1"/>
+          </p:nvPr>
+        </p:nvSpPr>
+        <p:spPr/>
+        <p:txBody>
+          <a:bodyPr/>
+          <a:lstStyle/>
+          <a:p>
+            <a:r>
+              <a:rPr lang="es-ES" dirty="0" smtClean="0"/>
+              <a:t>Elitismo</a:t>
+            </a:r>
+          </a:p>
+          <a:p>
+            <a:r>
+              <a:rPr lang="es-ES" dirty="0" smtClean="0"/>
+              <a:t>Eras</a:t>
+            </a:r>
+            <a:endParaRPr lang="es-ES" dirty="0"/>
+          </a:p>
+        </p:txBody>
+      </p:sp>
+    </p:spTree>
+    <p:extLst>
+      <p:ext uri="{BB962C8B-B14F-4D97-AF65-F5344CB8AC3E}">
+        <p14:creationId xmlns:p14="http://schemas.microsoft.com/office/powerpoint/2010/main" val="3321640931"/>
+      </p:ext>
+    </p:extLst>
+  </p:cSld>
+  <p:clrMapOvr>
+    <a:masterClrMapping/>
+  </p:clrMapOvr>
+</p:sld>
+</file>
+
+<file path=ppt/slides/slide13.xml><?xml version="1.0" encoding="utf-8"?>
+<p:sld xmlns:a="http://schemas.openxmlformats.org/drawingml/2006/main" xmlns:r="http://schemas.openxmlformats.org/officeDocument/2006/relationships" xmlns:p="http://schemas.openxmlformats.org/presentationml/2006/main">
+  <p:cSld>
+    <p:spTree>
+      <p:nvGrpSpPr>
+        <p:cNvPr id="1" name=""/>
+        <p:cNvGrpSpPr/>
+        <p:nvPr/>
+      </p:nvGrpSpPr>
+      <p:grpSpPr>
+        <a:xfrm>
+          <a:off x="0" y="0"/>
+          <a:ext cx="0" cy="0"/>
+          <a:chOff x="0" y="0"/>
+          <a:chExt cx="0" cy="0"/>
+        </a:xfrm>
+      </p:grpSpPr>
+      <p:sp>
+        <p:nvSpPr>
+          <p:cNvPr id="4" name="3 Subtítulo"/>
+          <p:cNvSpPr>
+            <a:spLocks noGrp="1"/>
+          </p:cNvSpPr>
+          <p:nvPr>
+            <p:ph type="subTitle" idx="1"/>
+          </p:nvPr>
+        </p:nvSpPr>
+        <p:spPr/>
+        <p:txBody>
+          <a:bodyPr/>
+          <a:lstStyle/>
+          <a:p>
+            <a:endParaRPr lang="es-ES" dirty="0"/>
+          </a:p>
+        </p:txBody>
+      </p:sp>
+      <p:sp>
+        <p:nvSpPr>
+          <p:cNvPr id="2" name="1 Título"/>
+          <p:cNvSpPr>
+            <a:spLocks noGrp="1"/>
+          </p:cNvSpPr>
+          <p:nvPr>
+            <p:ph type="ctrTitle"/>
+          </p:nvPr>
+        </p:nvSpPr>
+        <p:spPr/>
+        <p:txBody>
+          <a:bodyPr/>
+          <a:lstStyle/>
+          <a:p>
+            <a:r>
+              <a:rPr lang="es-ES" dirty="0" smtClean="0"/>
+              <a:t>Planteamiento del problema</a:t>
+            </a:r>
+            <a:endParaRPr lang="es-ES" dirty="0"/>
+          </a:p>
+        </p:txBody>
+      </p:sp>
+    </p:spTree>
+    <p:extLst>
+      <p:ext uri="{BB962C8B-B14F-4D97-AF65-F5344CB8AC3E}">
+        <p14:creationId xmlns:p14="http://schemas.microsoft.com/office/powerpoint/2010/main" val="3434952483"/>
+      </p:ext>
+    </p:extLst>
+  </p:cSld>
+  <p:clrMapOvr>
+    <a:masterClrMapping/>
+  </p:clrMapOvr>
+</p:sld>
+</file>
+
+<file path=ppt/slides/slide14.xml><?xml version="1.0" encoding="utf-8"?>
+<p:sld xmlns:a="http://schemas.openxmlformats.org/drawingml/2006/main" xmlns:r="http://schemas.openxmlformats.org/officeDocument/2006/relationships" xmlns:p="http://schemas.openxmlformats.org/presentationml/2006/main">
+  <p:cSld>
+    <p:spTree>
+      <p:nvGrpSpPr>
+        <p:cNvPr id="1" name=""/>
+        <p:cNvGrpSpPr/>
+        <p:nvPr/>
+      </p:nvGrpSpPr>
+      <p:grpSpPr>
+        <a:xfrm>
+          <a:off x="0" y="0"/>
+          <a:ext cx="0" cy="0"/>
+          <a:chOff x="0" y="0"/>
+          <a:chExt cx="0" cy="0"/>
+        </a:xfrm>
+      </p:grpSpPr>
+      <p:sp>
+        <p:nvSpPr>
+          <p:cNvPr id="2" name="1 Título"/>
+          <p:cNvSpPr>
+            <a:spLocks noGrp="1"/>
+          </p:cNvSpPr>
+          <p:nvPr>
+            <p:ph type="title"/>
+          </p:nvPr>
+        </p:nvSpPr>
+        <p:spPr/>
+        <p:txBody>
+          <a:bodyPr/>
+          <a:lstStyle/>
+          <a:p>
+            <a:r>
+              <a:rPr lang="es-ES" dirty="0" smtClean="0"/>
+              <a:t>Requisitos</a:t>
+            </a:r>
+            <a:endParaRPr lang="es-ES" dirty="0"/>
+          </a:p>
+        </p:txBody>
+      </p:sp>
+      <p:sp>
+        <p:nvSpPr>
+          <p:cNvPr id="3" name="2 Marcador de contenido"/>
+          <p:cNvSpPr>
+            <a:spLocks noGrp="1"/>
+          </p:cNvSpPr>
+          <p:nvPr>
+            <p:ph sz="quarter" idx="1"/>
+          </p:nvPr>
+        </p:nvSpPr>
+        <p:spPr/>
+        <p:txBody>
+          <a:bodyPr/>
+          <a:lstStyle/>
+          <a:p>
+            <a:r>
+              <a:rPr lang="es-ES" dirty="0" smtClean="0"/>
+              <a:t>Herramienta que empleando algoritmos genéticos encuentre el conjunto de parámetros que maximicen el valor de una función matemática real.</a:t>
+            </a:r>
+          </a:p>
+          <a:p>
+            <a:r>
+              <a:rPr lang="es-ES" dirty="0" smtClean="0"/>
+              <a:t>Representación de los cromosomas mediante un conjunto de genes valores reales.</a:t>
+            </a:r>
+          </a:p>
+          <a:p>
+            <a:r>
+              <a:rPr lang="es-ES" dirty="0" smtClean="0"/>
+              <a:t>Población de hasta 1000 elementos.</a:t>
+            </a:r>
+          </a:p>
+          <a:p>
+            <a:r>
+              <a:rPr lang="es-ES" dirty="0" smtClean="0"/>
+              <a:t>Iteraciones de hasta 100 eras y 1000 generaciones.</a:t>
+            </a:r>
+          </a:p>
+          <a:p>
+            <a:r>
+              <a:rPr lang="es-ES" dirty="0" smtClean="0"/>
+              <a:t>Diversos operadores de selección:</a:t>
+            </a:r>
+          </a:p>
+          <a:p>
+            <a:pPr lvl="1"/>
+            <a:r>
+              <a:rPr lang="es-ES" dirty="0" smtClean="0"/>
+              <a:t>Ruleta</a:t>
+            </a:r>
+          </a:p>
+          <a:p>
+            <a:pPr lvl="1"/>
+            <a:r>
+              <a:rPr lang="es-ES" dirty="0" smtClean="0"/>
+              <a:t>Torneo</a:t>
+            </a:r>
+          </a:p>
+        </p:txBody>
+      </p:sp>
+    </p:spTree>
+    <p:extLst>
+      <p:ext uri="{BB962C8B-B14F-4D97-AF65-F5344CB8AC3E}">
+        <p14:creationId xmlns:p14="http://schemas.microsoft.com/office/powerpoint/2010/main" val="1093657212"/>
+      </p:ext>
+    </p:extLst>
+  </p:cSld>
+  <p:clrMapOvr>
+    <a:masterClrMapping/>
+  </p:clrMapOvr>
+</p:sld>
+</file>
+
+<file path=ppt/slides/slide15.xml><?xml version="1.0" encoding="utf-8"?>
+<p:sld xmlns:a="http://schemas.openxmlformats.org/drawingml/2006/main" xmlns:r="http://schemas.openxmlformats.org/officeDocument/2006/relationships" xmlns:p="http://schemas.openxmlformats.org/presentationml/2006/main">
+  <p:cSld>
+    <p:spTree>
+      <p:nvGrpSpPr>
+        <p:cNvPr id="1" name=""/>
+        <p:cNvGrpSpPr/>
+        <p:nvPr/>
+      </p:nvGrpSpPr>
+      <p:grpSpPr>
+        <a:xfrm>
+          <a:off x="0" y="0"/>
+          <a:ext cx="0" cy="0"/>
+          <a:chOff x="0" y="0"/>
+          <a:chExt cx="0" cy="0"/>
+        </a:xfrm>
+      </p:grpSpPr>
+      <p:sp>
+        <p:nvSpPr>
+          <p:cNvPr id="2" name="1 Título"/>
+          <p:cNvSpPr>
+            <a:spLocks noGrp="1"/>
+          </p:cNvSpPr>
+          <p:nvPr>
+            <p:ph type="title"/>
+          </p:nvPr>
+        </p:nvSpPr>
+        <p:spPr/>
+        <p:txBody>
+          <a:bodyPr/>
+          <a:lstStyle/>
+          <a:p>
+            <a:endParaRPr lang="es-ES"/>
+          </a:p>
+        </p:txBody>
+      </p:sp>
+      <p:sp>
+        <p:nvSpPr>
+          <p:cNvPr id="3" name="2 Marcador de contenido"/>
+          <p:cNvSpPr>
+            <a:spLocks noGrp="1"/>
+          </p:cNvSpPr>
+          <p:nvPr>
+            <p:ph sz="quarter" idx="1"/>
+          </p:nvPr>
+        </p:nvSpPr>
+        <p:spPr/>
+        <p:txBody>
+          <a:bodyPr/>
+          <a:lstStyle/>
+          <a:p>
+            <a:r>
+              <a:rPr lang="es-ES" dirty="0" smtClean="0"/>
+              <a:t>Operador de cruce en un punto</a:t>
+            </a:r>
+          </a:p>
+          <a:p>
+            <a:r>
+              <a:rPr lang="es-ES" dirty="0" smtClean="0"/>
+              <a:t>Operador de mutación uniforme</a:t>
+            </a:r>
+          </a:p>
+          <a:p>
+            <a:r>
+              <a:rPr lang="es-ES" dirty="0" smtClean="0"/>
+              <a:t>Entorno visual.</a:t>
+            </a:r>
+          </a:p>
+          <a:p>
+            <a:r>
+              <a:rPr lang="es-ES" dirty="0" smtClean="0"/>
+              <a:t>Debe permitirse la cancelación de la ejecución</a:t>
+            </a:r>
+          </a:p>
+          <a:p>
+            <a:r>
+              <a:rPr lang="es-ES" dirty="0" smtClean="0"/>
+              <a:t>Debe mostrar datos sobre la evolución de la ejecución.</a:t>
+            </a:r>
+          </a:p>
+          <a:p>
+            <a:r>
+              <a:rPr lang="es-ES" dirty="0" smtClean="0"/>
+              <a:t>Debe permitir guardar resultados en ficheros.</a:t>
+            </a:r>
+          </a:p>
+          <a:p>
+            <a:pPr marL="0" indent="0">
+              <a:buNone/>
+            </a:pPr>
+            <a:endParaRPr lang="es-ES" dirty="0"/>
+          </a:p>
+        </p:txBody>
+      </p:sp>
+    </p:spTree>
+    <p:extLst>
+      <p:ext uri="{BB962C8B-B14F-4D97-AF65-F5344CB8AC3E}">
+        <p14:creationId xmlns:p14="http://schemas.microsoft.com/office/powerpoint/2010/main" val="1589718624"/>
+      </p:ext>
+    </p:extLst>
+  </p:cSld>
+  <p:clrMapOvr>
+    <a:masterClrMapping/>
+  </p:clrMapOvr>
+</p:sld>
+</file>
+
+<file path=ppt/slides/slide16.xml><?xml version="1.0" encoding="utf-8"?>
+<p:sld xmlns:a="http://schemas.openxmlformats.org/drawingml/2006/main" xmlns:r="http://schemas.openxmlformats.org/officeDocument/2006/relationships" xmlns:p="http://schemas.openxmlformats.org/presentationml/2006/main">
+  <p:cSld>
+    <p:spTree>
+      <p:nvGrpSpPr>
+        <p:cNvPr id="1" name=""/>
+        <p:cNvGrpSpPr/>
+        <p:nvPr/>
+      </p:nvGrpSpPr>
+      <p:grpSpPr>
+        <a:xfrm>
+          <a:off x="0" y="0"/>
+          <a:ext cx="0" cy="0"/>
+          <a:chOff x="0" y="0"/>
+          <a:chExt cx="0" cy="0"/>
+        </a:xfrm>
+      </p:grpSpPr>
+      <p:sp>
+        <p:nvSpPr>
+          <p:cNvPr id="2" name="1 Título"/>
+          <p:cNvSpPr>
+            <a:spLocks noGrp="1"/>
+          </p:cNvSpPr>
+          <p:nvPr>
+            <p:ph type="title"/>
+          </p:nvPr>
+        </p:nvSpPr>
+        <p:spPr/>
+        <p:txBody>
+          <a:bodyPr/>
+          <a:lstStyle/>
+          <a:p>
+            <a:r>
+              <a:rPr lang="es-ES" dirty="0" smtClean="0"/>
+              <a:t>Algoritmo a emplear</a:t>
+            </a:r>
+            <a:endParaRPr lang="es-ES" dirty="0"/>
+          </a:p>
+        </p:txBody>
+      </p:sp>
+      <p:sp>
+        <p:nvSpPr>
+          <p:cNvPr id="3" name="2 Marcador de contenido"/>
+          <p:cNvSpPr>
+            <a:spLocks noGrp="1"/>
+          </p:cNvSpPr>
+          <p:nvPr>
+            <p:ph sz="quarter" idx="1"/>
+          </p:nvPr>
+        </p:nvSpPr>
+        <p:spPr/>
+        <p:txBody>
+          <a:bodyPr/>
+          <a:lstStyle/>
+          <a:p>
+            <a:r>
+              <a:rPr lang="es-ES" dirty="0"/>
+              <a:t>Generar una población aleatoria de N</a:t>
+            </a:r>
+            <a:r>
+              <a:rPr lang="es-ES" baseline="-25000" dirty="0"/>
+              <a:t>i</a:t>
+            </a:r>
+            <a:r>
+              <a:rPr lang="es-ES" dirty="0"/>
+              <a:t> individuos</a:t>
+            </a:r>
+          </a:p>
+          <a:p>
+            <a:r>
+              <a:rPr lang="es-ES" dirty="0"/>
+              <a:t>Durante un número determinado de generaciones</a:t>
+            </a:r>
+          </a:p>
+          <a:p>
+            <a:r>
+              <a:rPr lang="es-ES" dirty="0"/>
+              <a:t>	Crear una nueva población</a:t>
+            </a:r>
+          </a:p>
+          <a:p>
+            <a:r>
+              <a:rPr lang="es-ES" dirty="0"/>
+              <a:t>Seleccionar padres</a:t>
+            </a:r>
+          </a:p>
+          <a:p>
+            <a:r>
+              <a:rPr lang="es-ES" dirty="0"/>
+              <a:t>Cruzar los padres con probabilidad p</a:t>
+            </a:r>
+            <a:r>
+              <a:rPr lang="es-ES" baseline="-25000" dirty="0"/>
+              <a:t>c</a:t>
+            </a:r>
+            <a:endParaRPr lang="es-ES" dirty="0"/>
+          </a:p>
+          <a:p>
+            <a:r>
+              <a:rPr lang="es-ES" dirty="0"/>
+              <a:t>Mutar los individuos resultantes con probabilidad p</a:t>
+            </a:r>
+            <a:r>
+              <a:rPr lang="es-ES" baseline="-25000" dirty="0"/>
+              <a:t>m</a:t>
+            </a:r>
+            <a:endParaRPr lang="es-ES" dirty="0"/>
+          </a:p>
+          <a:p>
+            <a:r>
+              <a:rPr lang="es-ES" dirty="0"/>
+              <a:t>Opcionalmente aplicar un operador de elitismo</a:t>
+            </a:r>
+          </a:p>
+          <a:p>
+            <a:r>
+              <a:rPr lang="es-ES" dirty="0"/>
+              <a:t>Finalmente devolver como solución el individuo con mayor calidad de la población</a:t>
+            </a:r>
+          </a:p>
+          <a:p>
+            <a:endParaRPr lang="es-ES" dirty="0"/>
+          </a:p>
+        </p:txBody>
+      </p:sp>
+    </p:spTree>
+    <p:extLst>
+      <p:ext uri="{BB962C8B-B14F-4D97-AF65-F5344CB8AC3E}">
+        <p14:creationId xmlns:p14="http://schemas.microsoft.com/office/powerpoint/2010/main" val="291608646"/>
+      </p:ext>
+    </p:extLst>
+  </p:cSld>
+  <p:clrMapOvr>
+    <a:masterClrMapping/>
+  </p:clrMapOvr>
+</p:sld>
+</file>
+
+<file path=ppt/slides/slide17.xml><?xml version="1.0" encoding="utf-8"?>
+<p:sld xmlns:a="http://schemas.openxmlformats.org/drawingml/2006/main" xmlns:r="http://schemas.openxmlformats.org/officeDocument/2006/relationships" xmlns:p="http://schemas.openxmlformats.org/presentationml/2006/main">
+  <p:cSld>
+    <p:spTree>
+      <p:nvGrpSpPr>
+        <p:cNvPr id="1" name=""/>
+        <p:cNvGrpSpPr/>
+        <p:nvPr/>
+      </p:nvGrpSpPr>
+      <p:grpSpPr>
+        <a:xfrm>
+          <a:off x="0" y="0"/>
+          <a:ext cx="0" cy="0"/>
+          <a:chOff x="0" y="0"/>
+          <a:chExt cx="0" cy="0"/>
+        </a:xfrm>
+      </p:grpSpPr>
+      <p:sp>
+        <p:nvSpPr>
+          <p:cNvPr id="4" name="3 Subtítulo"/>
+          <p:cNvSpPr>
+            <a:spLocks noGrp="1"/>
+          </p:cNvSpPr>
+          <p:nvPr>
+            <p:ph type="subTitle" idx="1"/>
+          </p:nvPr>
+        </p:nvSpPr>
+        <p:spPr/>
+        <p:txBody>
+          <a:bodyPr/>
+          <a:lstStyle/>
+          <a:p>
+            <a:endParaRPr lang="es-ES"/>
+          </a:p>
+        </p:txBody>
+      </p:sp>
+      <p:sp>
+        <p:nvSpPr>
+          <p:cNvPr id="2" name="1 Título"/>
+          <p:cNvSpPr>
+            <a:spLocks noGrp="1"/>
+          </p:cNvSpPr>
+          <p:nvPr>
+            <p:ph type="ctrTitle"/>
+          </p:nvPr>
+        </p:nvSpPr>
+        <p:spPr/>
+        <p:txBody>
+          <a:bodyPr/>
+          <a:lstStyle/>
+          <a:p>
+            <a:r>
+              <a:rPr lang="es-ES" dirty="0" smtClean="0"/>
+              <a:t>Diseño </a:t>
+            </a:r>
+            <a:endParaRPr lang="es-ES" dirty="0"/>
+          </a:p>
+        </p:txBody>
+      </p:sp>
+    </p:spTree>
+    <p:extLst>
+      <p:ext uri="{BB962C8B-B14F-4D97-AF65-F5344CB8AC3E}">
+        <p14:creationId xmlns:p14="http://schemas.microsoft.com/office/powerpoint/2010/main" val="3715550061"/>
+      </p:ext>
+    </p:extLst>
+  </p:cSld>
+  <p:clrMapOvr>
+    <a:masterClrMapping/>
+  </p:clrMapOvr>
+</p:sld>
+</file>
+
+<file path=ppt/slides/slide18.xml><?xml version="1.0" encoding="utf-8"?>
+<p:sld xmlns:a="http://schemas.openxmlformats.org/drawingml/2006/main" xmlns:r="http://schemas.openxmlformats.org/officeDocument/2006/relationships" xmlns:p="http://schemas.openxmlformats.org/presentationml/2006/main">
+  <p:cSld>
+    <p:spTree>
+      <p:nvGrpSpPr>
+        <p:cNvPr id="1" name=""/>
+        <p:cNvGrpSpPr/>
+        <p:nvPr/>
+      </p:nvGrpSpPr>
+      <p:grpSpPr>
+        <a:xfrm>
+          <a:off x="0" y="0"/>
+          <a:ext cx="0" cy="0"/>
+          <a:chOff x="0" y="0"/>
+          <a:chExt cx="0" cy="0"/>
+        </a:xfrm>
+      </p:grpSpPr>
+      <p:sp>
+        <p:nvSpPr>
+          <p:cNvPr id="2" name="1 Título"/>
+          <p:cNvSpPr>
+            <a:spLocks noGrp="1"/>
+          </p:cNvSpPr>
+          <p:nvPr>
+            <p:ph type="title"/>
+          </p:nvPr>
+        </p:nvSpPr>
+        <p:spPr/>
+        <p:txBody>
+          <a:bodyPr/>
+          <a:lstStyle/>
+          <a:p>
+            <a:r>
+              <a:rPr lang="es-ES" dirty="0" smtClean="0"/>
+              <a:t>Componentes del sistema</a:t>
+            </a:r>
+            <a:endParaRPr lang="es-ES" dirty="0"/>
+          </a:p>
+        </p:txBody>
+      </p:sp>
+      <p:pic>
+        <p:nvPicPr>
+          <p:cNvPr id="5" name="4 Marcador de contenido"/>
+          <p:cNvPicPr>
+            <a:picLocks noGrp="1" noChangeAspect="1"/>
+          </p:cNvPicPr>
+          <p:nvPr>
+            <p:ph sz="quarter" idx="1"/>
+          </p:nvPr>
+        </p:nvPicPr>
+        <p:blipFill>
+          <a:blip r:embed="rId2">
+            <a:extLst>
+              <a:ext uri="{28A0092B-C50C-407E-A947-70E740481C1C}">
+                <a14:useLocalDpi xmlns:a14="http://schemas.microsoft.com/office/drawing/2010/main" val="0"/>
+              </a:ext>
+            </a:extLst>
+          </a:blip>
+          <a:stretch>
+            <a:fillRect/>
+          </a:stretch>
+        </p:blipFill>
+        <p:spPr>
+          <a:xfrm>
+            <a:off x="1553671" y="1447800"/>
+            <a:ext cx="6493858" cy="4572000"/>
+          </a:xfrm>
+        </p:spPr>
+      </p:pic>
+    </p:spTree>
+    <p:extLst>
+      <p:ext uri="{BB962C8B-B14F-4D97-AF65-F5344CB8AC3E}">
+        <p14:creationId xmlns:p14="http://schemas.microsoft.com/office/powerpoint/2010/main" val="2696738452"/>
+      </p:ext>
+    </p:extLst>
+  </p:cSld>
+  <p:clrMapOvr>
+    <a:masterClrMapping/>
+  </p:clrMapOvr>
+</p:sld>
+</file>
+
+<file path=ppt/slides/slide19.xml><?xml version="1.0" encoding="utf-8"?>
+<p:sld xmlns:a="http://schemas.openxmlformats.org/drawingml/2006/main" xmlns:r="http://schemas.openxmlformats.org/officeDocument/2006/relationships" xmlns:p="http://schemas.openxmlformats.org/presentationml/2006/main">
+  <p:cSld>
+    <p:spTree>
+      <p:nvGrpSpPr>
+        <p:cNvPr id="1" name=""/>
+        <p:cNvGrpSpPr/>
+        <p:nvPr/>
+      </p:nvGrpSpPr>
+      <p:grpSpPr>
+        <a:xfrm>
+          <a:off x="0" y="0"/>
+          <a:ext cx="0" cy="0"/>
+          <a:chOff x="0" y="0"/>
+          <a:chExt cx="0" cy="0"/>
+        </a:xfrm>
+      </p:grpSpPr>
+      <p:sp>
+        <p:nvSpPr>
+          <p:cNvPr id="2" name="1 Título"/>
+          <p:cNvSpPr>
+            <a:spLocks noGrp="1"/>
+          </p:cNvSpPr>
+          <p:nvPr>
+            <p:ph type="title"/>
+          </p:nvPr>
+        </p:nvSpPr>
+        <p:spPr/>
+        <p:txBody>
+          <a:bodyPr/>
+          <a:lstStyle/>
+          <a:p>
+            <a:r>
+              <a:rPr lang="es-ES" dirty="0" smtClean="0"/>
+              <a:t>Componentes del sistema</a:t>
+            </a:r>
+            <a:endParaRPr lang="es-ES" dirty="0"/>
+          </a:p>
+        </p:txBody>
+      </p:sp>
+      <p:sp>
+        <p:nvSpPr>
+          <p:cNvPr id="3" name="2 Marcador de contenido"/>
+          <p:cNvSpPr>
+            <a:spLocks noGrp="1"/>
+          </p:cNvSpPr>
+          <p:nvPr>
+            <p:ph sz="quarter" idx="1"/>
+          </p:nvPr>
+        </p:nvSpPr>
+        <p:spPr/>
+        <p:txBody>
+          <a:bodyPr/>
+          <a:lstStyle/>
+          <a:p>
+            <a:r>
+              <a:rPr lang="es-ES" dirty="0" smtClean="0"/>
+              <a:t>Interfaz de  usuario</a:t>
+            </a:r>
+          </a:p>
+          <a:p>
+            <a:r>
+              <a:rPr lang="es-ES" dirty="0" smtClean="0"/>
+              <a:t>Módulo de ejecución</a:t>
+            </a:r>
+          </a:p>
+          <a:p>
+            <a:r>
+              <a:rPr lang="es-ES" dirty="0" smtClean="0"/>
+              <a:t>Módulo de datos</a:t>
+            </a:r>
+          </a:p>
+          <a:p>
+            <a:r>
+              <a:rPr lang="es-ES" dirty="0" smtClean="0"/>
+              <a:t>Módulo de resultados</a:t>
+            </a:r>
+          </a:p>
+          <a:p>
+            <a:r>
+              <a:rPr lang="es-ES" dirty="0" smtClean="0"/>
+              <a:t>Módulo de guardado de datos</a:t>
+            </a:r>
+          </a:p>
+          <a:p>
+            <a:r>
+              <a:rPr lang="es-ES" dirty="0" smtClean="0"/>
+              <a:t>Componentes de terceros</a:t>
+            </a:r>
+          </a:p>
+          <a:p>
+            <a:pPr lvl="1"/>
+            <a:r>
+              <a:rPr lang="es-ES" dirty="0" smtClean="0"/>
+              <a:t>Swing</a:t>
+            </a:r>
+          </a:p>
+          <a:p>
+            <a:pPr lvl="1"/>
+            <a:r>
+              <a:rPr lang="es-ES" dirty="0" err="1" smtClean="0"/>
+              <a:t>JFreeChart</a:t>
+            </a:r>
+            <a:endParaRPr lang="es-ES" dirty="0" smtClean="0"/>
+          </a:p>
+          <a:p>
+            <a:pPr lvl="1"/>
+            <a:r>
+              <a:rPr lang="es-ES" dirty="0" smtClean="0"/>
+              <a:t>Jackson</a:t>
+            </a:r>
+          </a:p>
+          <a:p>
+            <a:pPr lvl="1"/>
+            <a:r>
+              <a:rPr lang="es-ES" dirty="0" smtClean="0"/>
+              <a:t>Exp4j</a:t>
+            </a:r>
+            <a:endParaRPr lang="es-ES" dirty="0"/>
+          </a:p>
+        </p:txBody>
+      </p:sp>
+    </p:spTree>
+    <p:extLst>
+      <p:ext uri="{BB962C8B-B14F-4D97-AF65-F5344CB8AC3E}">
+        <p14:creationId xmlns:p14="http://schemas.microsoft.com/office/powerpoint/2010/main" val="4020057119"/>
+      </p:ext>
+    </p:extLst>
+  </p:cSld>
+  <p:clrMapOvr>
+    <a:masterClrMapping/>
+  </p:clrMapOvr>
+</p:sld>
+</file>
+
 <file path=ppt/slides/slide2.xml><?xml version="1.0" encoding="utf-8"?>
 <p:sld xmlns:a="http://schemas.openxmlformats.org/drawingml/2006/main" xmlns:r="http://schemas.openxmlformats.org/officeDocument/2006/relationships" xmlns:p="http://schemas.openxmlformats.org/presentationml/2006/main">
   <p:cSld>
@@ -3780,6 +4751,852 @@
     <p:extLst>
       <p:ext uri="{BB962C8B-B14F-4D97-AF65-F5344CB8AC3E}">
         <p14:creationId xmlns:p14="http://schemas.microsoft.com/office/powerpoint/2010/main" val="3271219556"/>
+      </p:ext>
+    </p:extLst>
+  </p:cSld>
+  <p:clrMapOvr>
+    <a:masterClrMapping/>
+  </p:clrMapOvr>
+</p:sld>
+</file>
+
+<file path=ppt/slides/slide20.xml><?xml version="1.0" encoding="utf-8"?>
+<p:sld xmlns:a="http://schemas.openxmlformats.org/drawingml/2006/main" xmlns:r="http://schemas.openxmlformats.org/officeDocument/2006/relationships" xmlns:p="http://schemas.openxmlformats.org/presentationml/2006/main">
+  <p:cSld>
+    <p:spTree>
+      <p:nvGrpSpPr>
+        <p:cNvPr id="1" name=""/>
+        <p:cNvGrpSpPr/>
+        <p:nvPr/>
+      </p:nvGrpSpPr>
+      <p:grpSpPr>
+        <a:xfrm>
+          <a:off x="0" y="0"/>
+          <a:ext cx="0" cy="0"/>
+          <a:chOff x="0" y="0"/>
+          <a:chExt cx="0" cy="0"/>
+        </a:xfrm>
+      </p:grpSpPr>
+      <p:sp>
+        <p:nvSpPr>
+          <p:cNvPr id="2" name="1 Título"/>
+          <p:cNvSpPr>
+            <a:spLocks noGrp="1"/>
+          </p:cNvSpPr>
+          <p:nvPr>
+            <p:ph type="title"/>
+          </p:nvPr>
+        </p:nvSpPr>
+        <p:spPr/>
+        <p:txBody>
+          <a:bodyPr/>
+          <a:lstStyle/>
+          <a:p>
+            <a:r>
+              <a:rPr lang="es-ES" dirty="0" smtClean="0"/>
+              <a:t>Clases del sistema</a:t>
+            </a:r>
+            <a:endParaRPr lang="es-ES" dirty="0"/>
+          </a:p>
+        </p:txBody>
+      </p:sp>
+      <p:pic>
+        <p:nvPicPr>
+          <p:cNvPr id="4" name="3 Marcador de contenido"/>
+          <p:cNvPicPr>
+            <a:picLocks noGrp="1" noChangeAspect="1"/>
+          </p:cNvPicPr>
+          <p:nvPr>
+            <p:ph sz="quarter" idx="1"/>
+          </p:nvPr>
+        </p:nvPicPr>
+        <p:blipFill>
+          <a:blip r:embed="rId2">
+            <a:extLst>
+              <a:ext uri="{28A0092B-C50C-407E-A947-70E740481C1C}">
+                <a14:useLocalDpi xmlns:a14="http://schemas.microsoft.com/office/drawing/2010/main" val="0"/>
+              </a:ext>
+            </a:extLst>
+          </a:blip>
+          <a:stretch>
+            <a:fillRect/>
+          </a:stretch>
+        </p:blipFill>
+        <p:spPr>
+          <a:xfrm>
+            <a:off x="395536" y="1268761"/>
+            <a:ext cx="8568952" cy="5400600"/>
+          </a:xfrm>
+        </p:spPr>
+      </p:pic>
+    </p:spTree>
+    <p:extLst>
+      <p:ext uri="{BB962C8B-B14F-4D97-AF65-F5344CB8AC3E}">
+        <p14:creationId xmlns:p14="http://schemas.microsoft.com/office/powerpoint/2010/main" val="1028463832"/>
+      </p:ext>
+    </p:extLst>
+  </p:cSld>
+  <p:clrMapOvr>
+    <a:masterClrMapping/>
+  </p:clrMapOvr>
+</p:sld>
+</file>
+
+<file path=ppt/slides/slide21.xml><?xml version="1.0" encoding="utf-8"?>
+<p:sld xmlns:a="http://schemas.openxmlformats.org/drawingml/2006/main" xmlns:r="http://schemas.openxmlformats.org/officeDocument/2006/relationships" xmlns:p="http://schemas.openxmlformats.org/presentationml/2006/main">
+  <p:cSld>
+    <p:spTree>
+      <p:nvGrpSpPr>
+        <p:cNvPr id="1" name=""/>
+        <p:cNvGrpSpPr/>
+        <p:nvPr/>
+      </p:nvGrpSpPr>
+      <p:grpSpPr>
+        <a:xfrm>
+          <a:off x="0" y="0"/>
+          <a:ext cx="0" cy="0"/>
+          <a:chOff x="0" y="0"/>
+          <a:chExt cx="0" cy="0"/>
+        </a:xfrm>
+      </p:grpSpPr>
+      <p:sp>
+        <p:nvSpPr>
+          <p:cNvPr id="2" name="1 Título"/>
+          <p:cNvSpPr>
+            <a:spLocks noGrp="1"/>
+          </p:cNvSpPr>
+          <p:nvPr>
+            <p:ph type="title"/>
+          </p:nvPr>
+        </p:nvSpPr>
+        <p:spPr/>
+        <p:txBody>
+          <a:bodyPr/>
+          <a:lstStyle/>
+          <a:p>
+            <a:r>
+              <a:rPr lang="es-ES" dirty="0" smtClean="0"/>
+              <a:t>Modelo de datos</a:t>
+            </a:r>
+            <a:endParaRPr lang="es-ES" dirty="0"/>
+          </a:p>
+        </p:txBody>
+      </p:sp>
+      <p:pic>
+        <p:nvPicPr>
+          <p:cNvPr id="4" name="3 Marcador de contenido"/>
+          <p:cNvPicPr>
+            <a:picLocks noGrp="1" noChangeAspect="1"/>
+          </p:cNvPicPr>
+          <p:nvPr>
+            <p:ph sz="quarter" idx="1"/>
+          </p:nvPr>
+        </p:nvPicPr>
+        <p:blipFill>
+          <a:blip r:embed="rId2">
+            <a:extLst>
+              <a:ext uri="{28A0092B-C50C-407E-A947-70E740481C1C}">
+                <a14:useLocalDpi xmlns:a14="http://schemas.microsoft.com/office/drawing/2010/main" val="0"/>
+              </a:ext>
+            </a:extLst>
+          </a:blip>
+          <a:stretch>
+            <a:fillRect/>
+          </a:stretch>
+        </p:blipFill>
+        <p:spPr>
+          <a:xfrm>
+            <a:off x="899592" y="1447800"/>
+            <a:ext cx="7920880" cy="5293568"/>
+          </a:xfrm>
+        </p:spPr>
+      </p:pic>
+    </p:spTree>
+    <p:extLst>
+      <p:ext uri="{BB962C8B-B14F-4D97-AF65-F5344CB8AC3E}">
+        <p14:creationId xmlns:p14="http://schemas.microsoft.com/office/powerpoint/2010/main" val="4238859306"/>
+      </p:ext>
+    </p:extLst>
+  </p:cSld>
+  <p:clrMapOvr>
+    <a:masterClrMapping/>
+  </p:clrMapOvr>
+</p:sld>
+</file>
+
+<file path=ppt/slides/slide22.xml><?xml version="1.0" encoding="utf-8"?>
+<p:sld xmlns:a="http://schemas.openxmlformats.org/drawingml/2006/main" xmlns:r="http://schemas.openxmlformats.org/officeDocument/2006/relationships" xmlns:p="http://schemas.openxmlformats.org/presentationml/2006/main">
+  <p:cSld>
+    <p:spTree>
+      <p:nvGrpSpPr>
+        <p:cNvPr id="1" name=""/>
+        <p:cNvGrpSpPr/>
+        <p:nvPr/>
+      </p:nvGrpSpPr>
+      <p:grpSpPr>
+        <a:xfrm>
+          <a:off x="0" y="0"/>
+          <a:ext cx="0" cy="0"/>
+          <a:chOff x="0" y="0"/>
+          <a:chExt cx="0" cy="0"/>
+        </a:xfrm>
+      </p:grpSpPr>
+      <p:sp>
+        <p:nvSpPr>
+          <p:cNvPr id="2" name="1 Título"/>
+          <p:cNvSpPr>
+            <a:spLocks noGrp="1"/>
+          </p:cNvSpPr>
+          <p:nvPr>
+            <p:ph type="title"/>
+          </p:nvPr>
+        </p:nvSpPr>
+        <p:spPr/>
+        <p:txBody>
+          <a:bodyPr/>
+          <a:lstStyle/>
+          <a:p>
+            <a:r>
+              <a:rPr lang="es-ES" dirty="0" smtClean="0"/>
+              <a:t>Módulo de ejecución</a:t>
+            </a:r>
+            <a:endParaRPr lang="es-ES" dirty="0"/>
+          </a:p>
+        </p:txBody>
+      </p:sp>
+      <p:pic>
+        <p:nvPicPr>
+          <p:cNvPr id="4" name="3 Marcador de contenido"/>
+          <p:cNvPicPr>
+            <a:picLocks noGrp="1" noChangeAspect="1"/>
+          </p:cNvPicPr>
+          <p:nvPr>
+            <p:ph sz="quarter" idx="1"/>
+          </p:nvPr>
+        </p:nvPicPr>
+        <p:blipFill>
+          <a:blip r:embed="rId2">
+            <a:extLst>
+              <a:ext uri="{28A0092B-C50C-407E-A947-70E740481C1C}">
+                <a14:useLocalDpi xmlns:a14="http://schemas.microsoft.com/office/drawing/2010/main" val="0"/>
+              </a:ext>
+            </a:extLst>
+          </a:blip>
+          <a:stretch>
+            <a:fillRect/>
+          </a:stretch>
+        </p:blipFill>
+        <p:spPr>
+          <a:xfrm>
+            <a:off x="114814" y="1371211"/>
+            <a:ext cx="8952239" cy="5082125"/>
+          </a:xfrm>
+        </p:spPr>
+      </p:pic>
+    </p:spTree>
+    <p:extLst>
+      <p:ext uri="{BB962C8B-B14F-4D97-AF65-F5344CB8AC3E}">
+        <p14:creationId xmlns:p14="http://schemas.microsoft.com/office/powerpoint/2010/main" val="1708938699"/>
+      </p:ext>
+    </p:extLst>
+  </p:cSld>
+  <p:clrMapOvr>
+    <a:masterClrMapping/>
+  </p:clrMapOvr>
+</p:sld>
+</file>
+
+<file path=ppt/slides/slide23.xml><?xml version="1.0" encoding="utf-8"?>
+<p:sld xmlns:a="http://schemas.openxmlformats.org/drawingml/2006/main" xmlns:r="http://schemas.openxmlformats.org/officeDocument/2006/relationships" xmlns:p="http://schemas.openxmlformats.org/presentationml/2006/main">
+  <p:cSld>
+    <p:spTree>
+      <p:nvGrpSpPr>
+        <p:cNvPr id="1" name=""/>
+        <p:cNvGrpSpPr/>
+        <p:nvPr/>
+      </p:nvGrpSpPr>
+      <p:grpSpPr>
+        <a:xfrm>
+          <a:off x="0" y="0"/>
+          <a:ext cx="0" cy="0"/>
+          <a:chOff x="0" y="0"/>
+          <a:chExt cx="0" cy="0"/>
+        </a:xfrm>
+      </p:grpSpPr>
+      <p:sp>
+        <p:nvSpPr>
+          <p:cNvPr id="2" name="1 Título"/>
+          <p:cNvSpPr>
+            <a:spLocks noGrp="1"/>
+          </p:cNvSpPr>
+          <p:nvPr>
+            <p:ph type="title"/>
+          </p:nvPr>
+        </p:nvSpPr>
+        <p:spPr/>
+        <p:txBody>
+          <a:bodyPr/>
+          <a:lstStyle/>
+          <a:p>
+            <a:r>
+              <a:rPr lang="es-ES" dirty="0" smtClean="0"/>
+              <a:t>Presentación de resultados</a:t>
+            </a:r>
+            <a:endParaRPr lang="es-ES" dirty="0"/>
+          </a:p>
+        </p:txBody>
+      </p:sp>
+      <p:pic>
+        <p:nvPicPr>
+          <p:cNvPr id="4" name="3 Marcador de contenido"/>
+          <p:cNvPicPr>
+            <a:picLocks noGrp="1" noChangeAspect="1"/>
+          </p:cNvPicPr>
+          <p:nvPr>
+            <p:ph sz="quarter" idx="1"/>
+          </p:nvPr>
+        </p:nvPicPr>
+        <p:blipFill>
+          <a:blip r:embed="rId2">
+            <a:extLst>
+              <a:ext uri="{28A0092B-C50C-407E-A947-70E740481C1C}">
+                <a14:useLocalDpi xmlns:a14="http://schemas.microsoft.com/office/drawing/2010/main" val="0"/>
+              </a:ext>
+            </a:extLst>
+          </a:blip>
+          <a:stretch>
+            <a:fillRect/>
+          </a:stretch>
+        </p:blipFill>
+        <p:spPr>
+          <a:xfrm>
+            <a:off x="683568" y="1447800"/>
+            <a:ext cx="8064896" cy="5221560"/>
+          </a:xfrm>
+        </p:spPr>
+      </p:pic>
+    </p:spTree>
+    <p:extLst>
+      <p:ext uri="{BB962C8B-B14F-4D97-AF65-F5344CB8AC3E}">
+        <p14:creationId xmlns:p14="http://schemas.microsoft.com/office/powerpoint/2010/main" val="3557273262"/>
+      </p:ext>
+    </p:extLst>
+  </p:cSld>
+  <p:clrMapOvr>
+    <a:masterClrMapping/>
+  </p:clrMapOvr>
+</p:sld>
+</file>
+
+<file path=ppt/slides/slide24.xml><?xml version="1.0" encoding="utf-8"?>
+<p:sld xmlns:a="http://schemas.openxmlformats.org/drawingml/2006/main" xmlns:r="http://schemas.openxmlformats.org/officeDocument/2006/relationships" xmlns:p="http://schemas.openxmlformats.org/presentationml/2006/main">
+  <p:cSld>
+    <p:spTree>
+      <p:nvGrpSpPr>
+        <p:cNvPr id="1" name=""/>
+        <p:cNvGrpSpPr/>
+        <p:nvPr/>
+      </p:nvGrpSpPr>
+      <p:grpSpPr>
+        <a:xfrm>
+          <a:off x="0" y="0"/>
+          <a:ext cx="0" cy="0"/>
+          <a:chOff x="0" y="0"/>
+          <a:chExt cx="0" cy="0"/>
+        </a:xfrm>
+      </p:grpSpPr>
+      <p:sp>
+        <p:nvSpPr>
+          <p:cNvPr id="2" name="1 Título"/>
+          <p:cNvSpPr>
+            <a:spLocks noGrp="1"/>
+          </p:cNvSpPr>
+          <p:nvPr>
+            <p:ph type="title"/>
+          </p:nvPr>
+        </p:nvSpPr>
+        <p:spPr/>
+        <p:txBody>
+          <a:bodyPr/>
+          <a:lstStyle/>
+          <a:p>
+            <a:r>
+              <a:rPr lang="es-ES" dirty="0" smtClean="0"/>
+              <a:t>Interfaz gráfica</a:t>
+            </a:r>
+            <a:endParaRPr lang="es-ES" dirty="0"/>
+          </a:p>
+        </p:txBody>
+      </p:sp>
+      <p:pic>
+        <p:nvPicPr>
+          <p:cNvPr id="7" name="6 Marcador de contenido"/>
+          <p:cNvPicPr>
+            <a:picLocks noGrp="1" noChangeAspect="1"/>
+          </p:cNvPicPr>
+          <p:nvPr>
+            <p:ph sz="quarter" idx="1"/>
+          </p:nvPr>
+        </p:nvPicPr>
+        <p:blipFill>
+          <a:blip r:embed="rId2">
+            <a:extLst>
+              <a:ext uri="{28A0092B-C50C-407E-A947-70E740481C1C}">
+                <a14:useLocalDpi xmlns:a14="http://schemas.microsoft.com/office/drawing/2010/main" val="0"/>
+              </a:ext>
+            </a:extLst>
+          </a:blip>
+          <a:stretch>
+            <a:fillRect/>
+          </a:stretch>
+        </p:blipFill>
+        <p:spPr>
+          <a:xfrm>
+            <a:off x="268926" y="1552812"/>
+            <a:ext cx="8479538" cy="4684500"/>
+          </a:xfrm>
+        </p:spPr>
+      </p:pic>
+    </p:spTree>
+    <p:extLst>
+      <p:ext uri="{BB962C8B-B14F-4D97-AF65-F5344CB8AC3E}">
+        <p14:creationId xmlns:p14="http://schemas.microsoft.com/office/powerpoint/2010/main" val="3042875059"/>
+      </p:ext>
+    </p:extLst>
+  </p:cSld>
+  <p:clrMapOvr>
+    <a:masterClrMapping/>
+  </p:clrMapOvr>
+</p:sld>
+</file>
+
+<file path=ppt/slides/slide25.xml><?xml version="1.0" encoding="utf-8"?>
+<p:sld xmlns:a="http://schemas.openxmlformats.org/drawingml/2006/main" xmlns:r="http://schemas.openxmlformats.org/officeDocument/2006/relationships" xmlns:p="http://schemas.openxmlformats.org/presentationml/2006/main">
+  <p:cSld>
+    <p:spTree>
+      <p:nvGrpSpPr>
+        <p:cNvPr id="1" name=""/>
+        <p:cNvGrpSpPr/>
+        <p:nvPr/>
+      </p:nvGrpSpPr>
+      <p:grpSpPr>
+        <a:xfrm>
+          <a:off x="0" y="0"/>
+          <a:ext cx="0" cy="0"/>
+          <a:chOff x="0" y="0"/>
+          <a:chExt cx="0" cy="0"/>
+        </a:xfrm>
+      </p:grpSpPr>
+      <p:sp>
+        <p:nvSpPr>
+          <p:cNvPr id="2" name="1 Título"/>
+          <p:cNvSpPr>
+            <a:spLocks noGrp="1"/>
+          </p:cNvSpPr>
+          <p:nvPr>
+            <p:ph type="title"/>
+          </p:nvPr>
+        </p:nvSpPr>
+        <p:spPr/>
+        <p:txBody>
+          <a:bodyPr/>
+          <a:lstStyle/>
+          <a:p>
+            <a:r>
+              <a:rPr lang="es-ES" dirty="0" smtClean="0"/>
+              <a:t>Guardado de datos</a:t>
+            </a:r>
+            <a:endParaRPr lang="es-ES" dirty="0"/>
+          </a:p>
+        </p:txBody>
+      </p:sp>
+      <p:pic>
+        <p:nvPicPr>
+          <p:cNvPr id="4" name="3 Marcador de contenido"/>
+          <p:cNvPicPr>
+            <a:picLocks noGrp="1" noChangeAspect="1"/>
+          </p:cNvPicPr>
+          <p:nvPr>
+            <p:ph sz="quarter" idx="1"/>
+          </p:nvPr>
+        </p:nvPicPr>
+        <p:blipFill>
+          <a:blip r:embed="rId2">
+            <a:extLst>
+              <a:ext uri="{28A0092B-C50C-407E-A947-70E740481C1C}">
+                <a14:useLocalDpi xmlns:a14="http://schemas.microsoft.com/office/drawing/2010/main" val="0"/>
+              </a:ext>
+            </a:extLst>
+          </a:blip>
+          <a:stretch>
+            <a:fillRect/>
+          </a:stretch>
+        </p:blipFill>
+        <p:spPr>
+          <a:xfrm>
+            <a:off x="323528" y="1917699"/>
+            <a:ext cx="8568952" cy="4718627"/>
+          </a:xfrm>
+        </p:spPr>
+      </p:pic>
+    </p:spTree>
+    <p:extLst>
+      <p:ext uri="{BB962C8B-B14F-4D97-AF65-F5344CB8AC3E}">
+        <p14:creationId xmlns:p14="http://schemas.microsoft.com/office/powerpoint/2010/main" val="3263569021"/>
+      </p:ext>
+    </p:extLst>
+  </p:cSld>
+  <p:clrMapOvr>
+    <a:masterClrMapping/>
+  </p:clrMapOvr>
+</p:sld>
+</file>
+
+<file path=ppt/slides/slide26.xml><?xml version="1.0" encoding="utf-8"?>
+<p:sld xmlns:a="http://schemas.openxmlformats.org/drawingml/2006/main" xmlns:r="http://schemas.openxmlformats.org/officeDocument/2006/relationships" xmlns:p="http://schemas.openxmlformats.org/presentationml/2006/main">
+  <p:cSld>
+    <p:spTree>
+      <p:nvGrpSpPr>
+        <p:cNvPr id="1" name=""/>
+        <p:cNvGrpSpPr/>
+        <p:nvPr/>
+      </p:nvGrpSpPr>
+      <p:grpSpPr>
+        <a:xfrm>
+          <a:off x="0" y="0"/>
+          <a:ext cx="0" cy="0"/>
+          <a:chOff x="0" y="0"/>
+          <a:chExt cx="0" cy="0"/>
+        </a:xfrm>
+      </p:grpSpPr>
+      <p:sp>
+        <p:nvSpPr>
+          <p:cNvPr id="5" name="4 Subtítulo"/>
+          <p:cNvSpPr>
+            <a:spLocks noGrp="1"/>
+          </p:cNvSpPr>
+          <p:nvPr>
+            <p:ph type="subTitle" idx="1"/>
+          </p:nvPr>
+        </p:nvSpPr>
+        <p:spPr/>
+        <p:txBody>
+          <a:bodyPr/>
+          <a:lstStyle/>
+          <a:p>
+            <a:endParaRPr lang="es-ES"/>
+          </a:p>
+        </p:txBody>
+      </p:sp>
+      <p:sp>
+        <p:nvSpPr>
+          <p:cNvPr id="4" name="3 Título"/>
+          <p:cNvSpPr>
+            <a:spLocks noGrp="1"/>
+          </p:cNvSpPr>
+          <p:nvPr>
+            <p:ph type="ctrTitle"/>
+          </p:nvPr>
+        </p:nvSpPr>
+        <p:spPr/>
+        <p:txBody>
+          <a:bodyPr/>
+          <a:lstStyle/>
+          <a:p>
+            <a:r>
+              <a:rPr lang="es-ES" dirty="0" smtClean="0"/>
+              <a:t>Planificación del proyecto</a:t>
+            </a:r>
+            <a:endParaRPr lang="es-ES" dirty="0"/>
+          </a:p>
+        </p:txBody>
+      </p:sp>
+    </p:spTree>
+    <p:extLst>
+      <p:ext uri="{BB962C8B-B14F-4D97-AF65-F5344CB8AC3E}">
+        <p14:creationId xmlns:p14="http://schemas.microsoft.com/office/powerpoint/2010/main" val="2268243311"/>
+      </p:ext>
+    </p:extLst>
+  </p:cSld>
+  <p:clrMapOvr>
+    <a:masterClrMapping/>
+  </p:clrMapOvr>
+</p:sld>
+</file>
+
+<file path=ppt/slides/slide27.xml><?xml version="1.0" encoding="utf-8"?>
+<p:sld xmlns:a="http://schemas.openxmlformats.org/drawingml/2006/main" xmlns:r="http://schemas.openxmlformats.org/officeDocument/2006/relationships" xmlns:p="http://schemas.openxmlformats.org/presentationml/2006/main">
+  <p:cSld>
+    <p:spTree>
+      <p:nvGrpSpPr>
+        <p:cNvPr id="1" name=""/>
+        <p:cNvGrpSpPr/>
+        <p:nvPr/>
+      </p:nvGrpSpPr>
+      <p:grpSpPr>
+        <a:xfrm>
+          <a:off x="0" y="0"/>
+          <a:ext cx="0" cy="0"/>
+          <a:chOff x="0" y="0"/>
+          <a:chExt cx="0" cy="0"/>
+        </a:xfrm>
+      </p:grpSpPr>
+      <p:sp>
+        <p:nvSpPr>
+          <p:cNvPr id="2" name="1 Título"/>
+          <p:cNvSpPr>
+            <a:spLocks noGrp="1"/>
+          </p:cNvSpPr>
+          <p:nvPr>
+            <p:ph type="title"/>
+          </p:nvPr>
+        </p:nvSpPr>
+        <p:spPr/>
+        <p:txBody>
+          <a:bodyPr/>
+          <a:lstStyle/>
+          <a:p>
+            <a:r>
+              <a:rPr lang="es-ES" dirty="0" smtClean="0"/>
+              <a:t>Fases del proyecto	</a:t>
+            </a:r>
+            <a:endParaRPr lang="es-ES" dirty="0"/>
+          </a:p>
+        </p:txBody>
+      </p:sp>
+      <p:sp>
+        <p:nvSpPr>
+          <p:cNvPr id="3" name="2 Marcador de contenido"/>
+          <p:cNvSpPr>
+            <a:spLocks noGrp="1"/>
+          </p:cNvSpPr>
+          <p:nvPr>
+            <p:ph sz="quarter" idx="1"/>
+          </p:nvPr>
+        </p:nvSpPr>
+        <p:spPr/>
+        <p:txBody>
+          <a:bodyPr>
+            <a:normAutofit/>
+          </a:bodyPr>
+          <a:lstStyle/>
+          <a:p>
+            <a:pPr lvl="0"/>
+            <a:r>
+              <a:rPr lang="es-ES" dirty="0" smtClean="0"/>
+              <a:t>Fase </a:t>
+            </a:r>
+            <a:r>
+              <a:rPr lang="es-ES" dirty="0"/>
+              <a:t>de planificación y documentación. </a:t>
+            </a:r>
+            <a:endParaRPr lang="es-ES" dirty="0" smtClean="0"/>
+          </a:p>
+          <a:p>
+            <a:pPr lvl="0"/>
+            <a:r>
+              <a:rPr lang="es-ES" dirty="0" smtClean="0"/>
+              <a:t>Fase </a:t>
+            </a:r>
+            <a:r>
+              <a:rPr lang="es-ES" dirty="0"/>
+              <a:t>de desarrollo de un motor de </a:t>
+            </a:r>
+            <a:r>
+              <a:rPr lang="es-ES" dirty="0" smtClean="0"/>
+              <a:t>ejecución.</a:t>
+            </a:r>
+            <a:endParaRPr lang="es-ES" dirty="0"/>
+          </a:p>
+          <a:p>
+            <a:pPr lvl="0"/>
+            <a:r>
+              <a:rPr lang="es-ES" dirty="0"/>
+              <a:t>Fase de desarrollo de una herramienta gráfica básica</a:t>
+            </a:r>
+            <a:r>
+              <a:rPr lang="es-ES" dirty="0" smtClean="0"/>
+              <a:t>.</a:t>
+            </a:r>
+            <a:endParaRPr lang="es-ES" dirty="0"/>
+          </a:p>
+          <a:p>
+            <a:pPr lvl="0"/>
+            <a:r>
+              <a:rPr lang="es-ES" dirty="0"/>
+              <a:t>Fase de mejora de la interfaz gráfica</a:t>
+            </a:r>
+            <a:r>
+              <a:rPr lang="es-ES" dirty="0" smtClean="0"/>
+              <a:t>.</a:t>
+            </a:r>
+            <a:endParaRPr lang="es-ES" dirty="0"/>
+          </a:p>
+          <a:p>
+            <a:pPr lvl="0"/>
+            <a:r>
+              <a:rPr lang="es-ES" dirty="0"/>
+              <a:t>Fase de documentación</a:t>
+            </a:r>
+            <a:r>
+              <a:rPr lang="es-ES" dirty="0" smtClean="0"/>
+              <a:t>.</a:t>
+            </a:r>
+            <a:endParaRPr lang="es-ES" dirty="0"/>
+          </a:p>
+          <a:p>
+            <a:endParaRPr lang="es-ES" dirty="0"/>
+          </a:p>
+        </p:txBody>
+      </p:sp>
+    </p:spTree>
+    <p:extLst>
+      <p:ext uri="{BB962C8B-B14F-4D97-AF65-F5344CB8AC3E}">
+        <p14:creationId xmlns:p14="http://schemas.microsoft.com/office/powerpoint/2010/main" val="3204578888"/>
+      </p:ext>
+    </p:extLst>
+  </p:cSld>
+  <p:clrMapOvr>
+    <a:masterClrMapping/>
+  </p:clrMapOvr>
+</p:sld>
+</file>
+
+<file path=ppt/slides/slide28.xml><?xml version="1.0" encoding="utf-8"?>
+<p:sld xmlns:a="http://schemas.openxmlformats.org/drawingml/2006/main" xmlns:r="http://schemas.openxmlformats.org/officeDocument/2006/relationships" xmlns:p="http://schemas.openxmlformats.org/presentationml/2006/main">
+  <p:cSld>
+    <p:spTree>
+      <p:nvGrpSpPr>
+        <p:cNvPr id="1" name=""/>
+        <p:cNvGrpSpPr/>
+        <p:nvPr/>
+      </p:nvGrpSpPr>
+      <p:grpSpPr>
+        <a:xfrm>
+          <a:off x="0" y="0"/>
+          <a:ext cx="0" cy="0"/>
+          <a:chOff x="0" y="0"/>
+          <a:chExt cx="0" cy="0"/>
+        </a:xfrm>
+      </p:grpSpPr>
+      <p:sp>
+        <p:nvSpPr>
+          <p:cNvPr id="2" name="1 Título"/>
+          <p:cNvSpPr>
+            <a:spLocks noGrp="1"/>
+          </p:cNvSpPr>
+          <p:nvPr>
+            <p:ph type="title"/>
+          </p:nvPr>
+        </p:nvSpPr>
+        <p:spPr/>
+        <p:txBody>
+          <a:bodyPr/>
+          <a:lstStyle/>
+          <a:p>
+            <a:r>
+              <a:rPr lang="es-ES" dirty="0" smtClean="0"/>
+              <a:t>Caso de prueba 1</a:t>
+            </a:r>
+            <a:endParaRPr lang="es-ES" dirty="0"/>
+          </a:p>
+        </p:txBody>
+      </p:sp>
+      <p:sp>
+        <p:nvSpPr>
+          <p:cNvPr id="3" name="2 Marcador de contenido"/>
+          <p:cNvSpPr>
+            <a:spLocks noGrp="1"/>
+          </p:cNvSpPr>
+          <p:nvPr>
+            <p:ph sz="quarter" idx="1"/>
+          </p:nvPr>
+        </p:nvSpPr>
+        <p:spPr/>
+        <p:txBody>
+          <a:bodyPr/>
+          <a:lstStyle/>
+          <a:p>
+            <a:endParaRPr lang="es-ES"/>
+          </a:p>
+        </p:txBody>
+      </p:sp>
+    </p:spTree>
+    <p:extLst>
+      <p:ext uri="{BB962C8B-B14F-4D97-AF65-F5344CB8AC3E}">
+        <p14:creationId xmlns:p14="http://schemas.microsoft.com/office/powerpoint/2010/main" val="2576548886"/>
+      </p:ext>
+    </p:extLst>
+  </p:cSld>
+  <p:clrMapOvr>
+    <a:masterClrMapping/>
+  </p:clrMapOvr>
+</p:sld>
+</file>
+
+<file path=ppt/slides/slide29.xml><?xml version="1.0" encoding="utf-8"?>
+<p:sld xmlns:a="http://schemas.openxmlformats.org/drawingml/2006/main" xmlns:r="http://schemas.openxmlformats.org/officeDocument/2006/relationships" xmlns:p="http://schemas.openxmlformats.org/presentationml/2006/main">
+  <p:cSld>
+    <p:spTree>
+      <p:nvGrpSpPr>
+        <p:cNvPr id="1" name=""/>
+        <p:cNvGrpSpPr/>
+        <p:nvPr/>
+      </p:nvGrpSpPr>
+      <p:grpSpPr>
+        <a:xfrm>
+          <a:off x="0" y="0"/>
+          <a:ext cx="0" cy="0"/>
+          <a:chOff x="0" y="0"/>
+          <a:chExt cx="0" cy="0"/>
+        </a:xfrm>
+      </p:grpSpPr>
+      <p:sp>
+        <p:nvSpPr>
+          <p:cNvPr id="2" name="1 Título"/>
+          <p:cNvSpPr>
+            <a:spLocks noGrp="1"/>
+          </p:cNvSpPr>
+          <p:nvPr>
+            <p:ph type="title"/>
+          </p:nvPr>
+        </p:nvSpPr>
+        <p:spPr/>
+        <p:txBody>
+          <a:bodyPr/>
+          <a:lstStyle/>
+          <a:p>
+            <a:r>
+              <a:rPr lang="es-ES" dirty="0" smtClean="0"/>
+              <a:t>Caso de prueba 2</a:t>
+            </a:r>
+            <a:endParaRPr lang="es-ES" dirty="0"/>
+          </a:p>
+        </p:txBody>
+      </p:sp>
+      <p:sp>
+        <p:nvSpPr>
+          <p:cNvPr id="3" name="2 Marcador de contenido"/>
+          <p:cNvSpPr>
+            <a:spLocks noGrp="1"/>
+          </p:cNvSpPr>
+          <p:nvPr>
+            <p:ph sz="quarter" idx="1"/>
+          </p:nvPr>
+        </p:nvSpPr>
+        <p:spPr/>
+        <p:txBody>
+          <a:bodyPr/>
+          <a:lstStyle/>
+          <a:p>
+            <a:endParaRPr lang="es-ES"/>
+          </a:p>
+        </p:txBody>
+      </p:sp>
+    </p:spTree>
+    <p:extLst>
+      <p:ext uri="{BB962C8B-B14F-4D97-AF65-F5344CB8AC3E}">
+        <p14:creationId xmlns:p14="http://schemas.microsoft.com/office/powerpoint/2010/main" val="1339152945"/>
       </p:ext>
     </p:extLst>
   </p:cSld>
@@ -3808,41 +5625,53 @@
       </p:grpSpPr>
       <p:sp>
         <p:nvSpPr>
-          <p:cNvPr id="4" name="3 Subtítulo"/>
-          <p:cNvSpPr>
-            <a:spLocks noGrp="1"/>
-          </p:cNvSpPr>
-          <p:nvPr>
-            <p:ph type="subTitle" idx="1"/>
-          </p:nvPr>
-        </p:nvSpPr>
-        <p:spPr/>
-        <p:txBody>
-          <a:bodyPr/>
-          <a:lstStyle/>
-          <a:p>
-            <a:endParaRPr lang="es-ES"/>
-          </a:p>
-        </p:txBody>
-      </p:sp>
-      <p:sp>
-        <p:nvSpPr>
           <p:cNvPr id="2" name="1 Título"/>
           <p:cNvSpPr>
             <a:spLocks noGrp="1"/>
           </p:cNvSpPr>
           <p:nvPr>
-            <p:ph type="ctrTitle"/>
-          </p:nvPr>
-        </p:nvSpPr>
-        <p:spPr/>
-        <p:txBody>
-          <a:bodyPr/>
-          <a:lstStyle/>
-          <a:p>
-            <a:r>
-              <a:rPr lang="es-ES" dirty="0" smtClean="0"/>
-              <a:t>Conceptos teóricos</a:t>
+            <p:ph type="title"/>
+          </p:nvPr>
+        </p:nvSpPr>
+        <p:spPr/>
+        <p:txBody>
+          <a:bodyPr/>
+          <a:lstStyle/>
+          <a:p>
+            <a:r>
+              <a:rPr lang="es-ES" dirty="0" smtClean="0"/>
+              <a:t>Objetivos del proyecto</a:t>
+            </a:r>
+            <a:endParaRPr lang="es-ES" dirty="0"/>
+          </a:p>
+        </p:txBody>
+      </p:sp>
+      <p:sp>
+        <p:nvSpPr>
+          <p:cNvPr id="3" name="2 Marcador de contenido"/>
+          <p:cNvSpPr>
+            <a:spLocks noGrp="1"/>
+          </p:cNvSpPr>
+          <p:nvPr>
+            <p:ph sz="quarter" idx="1"/>
+          </p:nvPr>
+        </p:nvSpPr>
+        <p:spPr/>
+        <p:txBody>
+          <a:bodyPr/>
+          <a:lstStyle/>
+          <a:p>
+            <a:r>
+              <a:rPr lang="es-ES" dirty="0" smtClean="0"/>
+              <a:t>Desarrollo de una herramienta software que, empleando algoritmos genéticos encuentre soluciones óptimas a funciones </a:t>
+            </a:r>
+            <a:r>
+              <a:rPr lang="es-ES" dirty="0" err="1" smtClean="0"/>
+              <a:t>mátemáticas</a:t>
+            </a:r>
+            <a:r>
+              <a:rPr lang="es-ES" dirty="0" smtClean="0"/>
+              <a:t>.</a:t>
             </a:r>
             <a:endParaRPr lang="es-ES" dirty="0"/>
           </a:p>
@@ -3851,7 +5680,7 @@
     </p:spTree>
     <p:extLst>
       <p:ext uri="{BB962C8B-B14F-4D97-AF65-F5344CB8AC3E}">
-        <p14:creationId xmlns:p14="http://schemas.microsoft.com/office/powerpoint/2010/main" val="2844643401"/>
+        <p14:creationId xmlns:p14="http://schemas.microsoft.com/office/powerpoint/2010/main" val="3796431793"/>
       </p:ext>
     </p:extLst>
   </p:cSld>
@@ -3893,7 +5722,7 @@
           <a:bodyPr/>
           <a:lstStyle/>
           <a:p>
-            <a:endParaRPr lang="es-ES"/>
+            <a:endParaRPr lang="es-ES" dirty="0"/>
           </a:p>
         </p:txBody>
       </p:sp>
@@ -3914,7 +5743,7 @@
           <a:p>
             <a:r>
               <a:rPr lang="es-ES" dirty="0" smtClean="0"/>
-              <a:t>Requisitos de la herramienta</a:t>
+              <a:t>Conceptos teóricos</a:t>
             </a:r>
             <a:endParaRPr lang="es-ES" dirty="0"/>
           </a:p>
@@ -3923,7 +5752,7 @@
     </p:spTree>
     <p:extLst>
       <p:ext uri="{BB962C8B-B14F-4D97-AF65-F5344CB8AC3E}">
-        <p14:creationId xmlns:p14="http://schemas.microsoft.com/office/powerpoint/2010/main" val="3434952483"/>
+        <p14:creationId xmlns:p14="http://schemas.microsoft.com/office/powerpoint/2010/main" val="2844643401"/>
       </p:ext>
     </p:extLst>
   </p:cSld>
@@ -3952,42 +5781,117 @@
       </p:grpSpPr>
       <p:sp>
         <p:nvSpPr>
-          <p:cNvPr id="4" name="3 Subtítulo"/>
-          <p:cNvSpPr>
-            <a:spLocks noGrp="1"/>
-          </p:cNvSpPr>
-          <p:nvPr>
-            <p:ph type="subTitle" idx="1"/>
-          </p:nvPr>
-        </p:nvSpPr>
-        <p:spPr/>
-        <p:txBody>
-          <a:bodyPr/>
-          <a:lstStyle/>
-          <a:p>
-            <a:endParaRPr lang="es-ES"/>
-          </a:p>
-        </p:txBody>
-      </p:sp>
-      <p:sp>
-        <p:nvSpPr>
           <p:cNvPr id="2" name="1 Título"/>
           <p:cNvSpPr>
             <a:spLocks noGrp="1"/>
           </p:cNvSpPr>
           <p:nvPr>
-            <p:ph type="ctrTitle"/>
-          </p:nvPr>
-        </p:nvSpPr>
-        <p:spPr/>
-        <p:txBody>
-          <a:bodyPr/>
-          <a:lstStyle/>
-          <a:p>
-            <a:r>
-              <a:rPr lang="es-ES" dirty="0" smtClean="0"/>
-              <a:t>Diseño </a:t>
-            </a:r>
+            <p:ph type="title"/>
+          </p:nvPr>
+        </p:nvSpPr>
+        <p:spPr/>
+        <p:txBody>
+          <a:bodyPr/>
+          <a:lstStyle/>
+          <a:p>
+            <a:r>
+              <a:rPr lang="es-ES" dirty="0" smtClean="0"/>
+              <a:t>Algoritmos genéticos</a:t>
+            </a:r>
+            <a:endParaRPr lang="es-ES" dirty="0"/>
+          </a:p>
+        </p:txBody>
+      </p:sp>
+      <p:sp>
+        <p:nvSpPr>
+          <p:cNvPr id="3" name="2 Marcador de contenido"/>
+          <p:cNvSpPr>
+            <a:spLocks noGrp="1"/>
+          </p:cNvSpPr>
+          <p:nvPr>
+            <p:ph sz="quarter" idx="1"/>
+          </p:nvPr>
+        </p:nvSpPr>
+        <p:spPr/>
+        <p:txBody>
+          <a:bodyPr/>
+          <a:lstStyle/>
+          <a:p>
+            <a:r>
+              <a:rPr lang="es-ES" dirty="0" smtClean="0"/>
+              <a:t>Algoritmos que se apoyan en la evolución para optimizar las soluciones a un problema dado.</a:t>
+            </a:r>
+          </a:p>
+          <a:p>
+            <a:r>
+              <a:rPr lang="es-ES" dirty="0" smtClean="0"/>
+              <a:t>Algoritmo clásico:</a:t>
+            </a:r>
+          </a:p>
+          <a:p>
+            <a:pPr lvl="1"/>
+            <a:r>
+              <a:rPr lang="es-ES" dirty="0"/>
+              <a:t>Generar una población aleatoria de N</a:t>
+            </a:r>
+            <a:r>
+              <a:rPr lang="es-ES" baseline="-25000" dirty="0"/>
+              <a:t>i</a:t>
+            </a:r>
+            <a:r>
+              <a:rPr lang="es-ES" dirty="0"/>
+              <a:t> individuos</a:t>
+            </a:r>
+          </a:p>
+          <a:p>
+            <a:pPr lvl="1"/>
+            <a:r>
+              <a:rPr lang="es-ES" dirty="0"/>
+              <a:t>Mientras que no se cumpla el criterio de terminación</a:t>
+            </a:r>
+          </a:p>
+          <a:p>
+            <a:pPr lvl="1"/>
+            <a:r>
+              <a:rPr lang="es-ES" dirty="0"/>
+              <a:t>	Crear una nueva población</a:t>
+            </a:r>
+          </a:p>
+          <a:p>
+            <a:pPr lvl="1"/>
+            <a:r>
+              <a:rPr lang="es-ES" dirty="0"/>
+              <a:t>Seleccionar padres</a:t>
+            </a:r>
+          </a:p>
+          <a:p>
+            <a:pPr lvl="1"/>
+            <a:r>
+              <a:rPr lang="es-ES" dirty="0"/>
+              <a:t>Cruzar los padres con probabilidad p</a:t>
+            </a:r>
+            <a:r>
+              <a:rPr lang="es-ES" baseline="-25000" dirty="0"/>
+              <a:t>c</a:t>
+            </a:r>
+            <a:endParaRPr lang="es-ES" dirty="0"/>
+          </a:p>
+          <a:p>
+            <a:pPr lvl="1"/>
+            <a:r>
+              <a:rPr lang="es-ES" dirty="0"/>
+              <a:t>Mutar los individuos resultantes con probabilidad p</a:t>
+            </a:r>
+            <a:r>
+              <a:rPr lang="es-ES" baseline="-25000" dirty="0"/>
+              <a:t>m</a:t>
+            </a:r>
+            <a:endParaRPr lang="es-ES" dirty="0"/>
+          </a:p>
+          <a:p>
+            <a:pPr marL="0" indent="0">
+              <a:buNone/>
+            </a:pPr>
             <a:endParaRPr lang="es-ES" dirty="0"/>
           </a:p>
         </p:txBody>
@@ -3995,7 +5899,389 @@
     </p:spTree>
     <p:extLst>
       <p:ext uri="{BB962C8B-B14F-4D97-AF65-F5344CB8AC3E}">
-        <p14:creationId xmlns:p14="http://schemas.microsoft.com/office/powerpoint/2010/main" val="3715550061"/>
+        <p14:creationId xmlns:p14="http://schemas.microsoft.com/office/powerpoint/2010/main" val="1113061040"/>
+      </p:ext>
+    </p:extLst>
+  </p:cSld>
+  <p:clrMapOvr>
+    <a:masterClrMapping/>
+  </p:clrMapOvr>
+</p:sld>
+</file>
+
+<file path=ppt/slides/slide6.xml><?xml version="1.0" encoding="utf-8"?>
+<p:sld xmlns:a="http://schemas.openxmlformats.org/drawingml/2006/main" xmlns:r="http://schemas.openxmlformats.org/officeDocument/2006/relationships" xmlns:p="http://schemas.openxmlformats.org/presentationml/2006/main">
+  <p:cSld>
+    <p:spTree>
+      <p:nvGrpSpPr>
+        <p:cNvPr id="1" name=""/>
+        <p:cNvGrpSpPr/>
+        <p:nvPr/>
+      </p:nvGrpSpPr>
+      <p:grpSpPr>
+        <a:xfrm>
+          <a:off x="0" y="0"/>
+          <a:ext cx="0" cy="0"/>
+          <a:chOff x="0" y="0"/>
+          <a:chExt cx="0" cy="0"/>
+        </a:xfrm>
+      </p:grpSpPr>
+      <p:sp>
+        <p:nvSpPr>
+          <p:cNvPr id="2" name="1 Título"/>
+          <p:cNvSpPr>
+            <a:spLocks noGrp="1"/>
+          </p:cNvSpPr>
+          <p:nvPr>
+            <p:ph type="title"/>
+          </p:nvPr>
+        </p:nvSpPr>
+        <p:spPr/>
+        <p:txBody>
+          <a:bodyPr/>
+          <a:lstStyle/>
+          <a:p>
+            <a:r>
+              <a:rPr lang="es-ES" dirty="0" smtClean="0"/>
+              <a:t>Componentes básicos</a:t>
+            </a:r>
+            <a:endParaRPr lang="es-ES" dirty="0"/>
+          </a:p>
+        </p:txBody>
+      </p:sp>
+      <p:sp>
+        <p:nvSpPr>
+          <p:cNvPr id="3" name="2 Marcador de contenido"/>
+          <p:cNvSpPr>
+            <a:spLocks noGrp="1"/>
+          </p:cNvSpPr>
+          <p:nvPr>
+            <p:ph sz="quarter" idx="1"/>
+          </p:nvPr>
+        </p:nvSpPr>
+        <p:spPr/>
+        <p:txBody>
+          <a:bodyPr/>
+          <a:lstStyle/>
+          <a:p>
+            <a:r>
+              <a:rPr lang="es-ES" dirty="0" smtClean="0"/>
+              <a:t>Representación para los individuos.</a:t>
+            </a:r>
+          </a:p>
+          <a:p>
+            <a:r>
+              <a:rPr lang="es-ES" dirty="0" smtClean="0"/>
+              <a:t>Medida de la calidad de los individuos.</a:t>
+            </a:r>
+          </a:p>
+          <a:p>
+            <a:r>
+              <a:rPr lang="es-ES" dirty="0" smtClean="0"/>
+              <a:t>Operador de selección.</a:t>
+            </a:r>
+          </a:p>
+          <a:p>
+            <a:r>
+              <a:rPr lang="es-ES" dirty="0" smtClean="0"/>
+              <a:t>Operador de reproducción.</a:t>
+            </a:r>
+          </a:p>
+          <a:p>
+            <a:r>
+              <a:rPr lang="es-ES" dirty="0" smtClean="0"/>
+              <a:t>Operador de mutación.</a:t>
+            </a:r>
+            <a:endParaRPr lang="es-ES" dirty="0"/>
+          </a:p>
+        </p:txBody>
+      </p:sp>
+    </p:spTree>
+    <p:extLst>
+      <p:ext uri="{BB962C8B-B14F-4D97-AF65-F5344CB8AC3E}">
+        <p14:creationId xmlns:p14="http://schemas.microsoft.com/office/powerpoint/2010/main" val="143343167"/>
+      </p:ext>
+    </p:extLst>
+  </p:cSld>
+  <p:clrMapOvr>
+    <a:masterClrMapping/>
+  </p:clrMapOvr>
+</p:sld>
+</file>
+
+<file path=ppt/slides/slide7.xml><?xml version="1.0" encoding="utf-8"?>
+<p:sld xmlns:a="http://schemas.openxmlformats.org/drawingml/2006/main" xmlns:r="http://schemas.openxmlformats.org/officeDocument/2006/relationships" xmlns:p="http://schemas.openxmlformats.org/presentationml/2006/main">
+  <p:cSld>
+    <p:spTree>
+      <p:nvGrpSpPr>
+        <p:cNvPr id="1" name=""/>
+        <p:cNvGrpSpPr/>
+        <p:nvPr/>
+      </p:nvGrpSpPr>
+      <p:grpSpPr>
+        <a:xfrm>
+          <a:off x="0" y="0"/>
+          <a:ext cx="0" cy="0"/>
+          <a:chOff x="0" y="0"/>
+          <a:chExt cx="0" cy="0"/>
+        </a:xfrm>
+      </p:grpSpPr>
+      <p:sp>
+        <p:nvSpPr>
+          <p:cNvPr id="2" name="1 Título"/>
+          <p:cNvSpPr>
+            <a:spLocks noGrp="1"/>
+          </p:cNvSpPr>
+          <p:nvPr>
+            <p:ph type="title"/>
+          </p:nvPr>
+        </p:nvSpPr>
+        <p:spPr/>
+        <p:txBody>
+          <a:bodyPr/>
+          <a:lstStyle/>
+          <a:p>
+            <a:r>
+              <a:rPr lang="es-ES" dirty="0" smtClean="0"/>
+              <a:t>Representación de los individuos</a:t>
+            </a:r>
+            <a:endParaRPr lang="es-ES" dirty="0"/>
+          </a:p>
+        </p:txBody>
+      </p:sp>
+      <p:sp>
+        <p:nvSpPr>
+          <p:cNvPr id="3" name="2 Marcador de contenido"/>
+          <p:cNvSpPr>
+            <a:spLocks noGrp="1"/>
+          </p:cNvSpPr>
+          <p:nvPr>
+            <p:ph sz="quarter" idx="1"/>
+          </p:nvPr>
+        </p:nvSpPr>
+        <p:spPr/>
+        <p:txBody>
+          <a:bodyPr/>
+          <a:lstStyle/>
+          <a:p>
+            <a:r>
+              <a:rPr lang="es-ES" dirty="0" smtClean="0"/>
+              <a:t>Los individuos se representan mediante cromosomas</a:t>
+            </a:r>
+          </a:p>
+          <a:p>
+            <a:r>
+              <a:rPr lang="es-ES" dirty="0" smtClean="0"/>
+              <a:t>Cromosoma: el conjunto de parámetros que determinan la estructura del individuo.</a:t>
+            </a:r>
+          </a:p>
+          <a:p>
+            <a:r>
+              <a:rPr lang="es-ES" dirty="0" smtClean="0"/>
+              <a:t>Cada uno de los parámetros recibe el nombre de gen.</a:t>
+            </a:r>
+          </a:p>
+          <a:p>
+            <a:r>
+              <a:rPr lang="es-ES" dirty="0" smtClean="0"/>
+              <a:t>Diversas representaciones:</a:t>
+            </a:r>
+          </a:p>
+          <a:p>
+            <a:pPr lvl="1"/>
+            <a:r>
+              <a:rPr lang="es-ES" dirty="0" smtClean="0"/>
+              <a:t>Cada gen se suele representar mediante un número de bits.</a:t>
+            </a:r>
+          </a:p>
+          <a:p>
+            <a:pPr lvl="1"/>
+            <a:r>
+              <a:rPr lang="es-ES" dirty="0" smtClean="0"/>
+              <a:t>Opciones distintas adaptadas al problema: números reales, enteros, etc. </a:t>
+            </a:r>
+            <a:endParaRPr lang="es-ES" dirty="0"/>
+          </a:p>
+        </p:txBody>
+      </p:sp>
+    </p:spTree>
+    <p:extLst>
+      <p:ext uri="{BB962C8B-B14F-4D97-AF65-F5344CB8AC3E}">
+        <p14:creationId xmlns:p14="http://schemas.microsoft.com/office/powerpoint/2010/main" val="2178930081"/>
+      </p:ext>
+    </p:extLst>
+  </p:cSld>
+  <p:clrMapOvr>
+    <a:masterClrMapping/>
+  </p:clrMapOvr>
+</p:sld>
+</file>
+
+<file path=ppt/slides/slide8.xml><?xml version="1.0" encoding="utf-8"?>
+<p:sld xmlns:a="http://schemas.openxmlformats.org/drawingml/2006/main" xmlns:r="http://schemas.openxmlformats.org/officeDocument/2006/relationships" xmlns:p="http://schemas.openxmlformats.org/presentationml/2006/main">
+  <p:cSld>
+    <p:spTree>
+      <p:nvGrpSpPr>
+        <p:cNvPr id="1" name=""/>
+        <p:cNvGrpSpPr/>
+        <p:nvPr/>
+      </p:nvGrpSpPr>
+      <p:grpSpPr>
+        <a:xfrm>
+          <a:off x="0" y="0"/>
+          <a:ext cx="0" cy="0"/>
+          <a:chOff x="0" y="0"/>
+          <a:chExt cx="0" cy="0"/>
+        </a:xfrm>
+      </p:grpSpPr>
+      <p:sp>
+        <p:nvSpPr>
+          <p:cNvPr id="2" name="1 Título"/>
+          <p:cNvSpPr>
+            <a:spLocks noGrp="1"/>
+          </p:cNvSpPr>
+          <p:nvPr>
+            <p:ph type="title"/>
+          </p:nvPr>
+        </p:nvSpPr>
+        <p:spPr/>
+        <p:txBody>
+          <a:bodyPr/>
+          <a:lstStyle/>
+          <a:p>
+            <a:r>
+              <a:rPr lang="es-ES" dirty="0" smtClean="0"/>
+              <a:t>Operador de selección</a:t>
+            </a:r>
+            <a:endParaRPr lang="es-ES" dirty="0"/>
+          </a:p>
+        </p:txBody>
+      </p:sp>
+      <p:sp>
+        <p:nvSpPr>
+          <p:cNvPr id="3" name="2 Marcador de contenido"/>
+          <p:cNvSpPr>
+            <a:spLocks noGrp="1"/>
+          </p:cNvSpPr>
+          <p:nvPr>
+            <p:ph sz="quarter" idx="1"/>
+          </p:nvPr>
+        </p:nvSpPr>
+        <p:spPr/>
+        <p:txBody>
+          <a:bodyPr/>
+          <a:lstStyle/>
+          <a:p>
+            <a:r>
+              <a:rPr lang="es-ES" dirty="0" smtClean="0"/>
+              <a:t>Selección de individuos de una población.</a:t>
+            </a:r>
+          </a:p>
+          <a:p>
+            <a:r>
+              <a:rPr lang="es-ES" dirty="0" smtClean="0"/>
+              <a:t>Probabilidad de extracción de un individuo proporcional a su calidad.</a:t>
+            </a:r>
+          </a:p>
+          <a:p>
+            <a:r>
+              <a:rPr lang="es-ES" dirty="0" smtClean="0"/>
+              <a:t>Diversos métodos</a:t>
+            </a:r>
+          </a:p>
+          <a:p>
+            <a:pPr lvl="1"/>
+            <a:r>
+              <a:rPr lang="es-ES" dirty="0" smtClean="0"/>
+              <a:t>Método de la ruleta</a:t>
+            </a:r>
+          </a:p>
+          <a:p>
+            <a:pPr lvl="1"/>
+            <a:r>
+              <a:rPr lang="es-ES" dirty="0" smtClean="0"/>
+              <a:t>Selección por torneo</a:t>
+            </a:r>
+            <a:endParaRPr lang="es-ES" dirty="0"/>
+          </a:p>
+        </p:txBody>
+      </p:sp>
+    </p:spTree>
+    <p:extLst>
+      <p:ext uri="{BB962C8B-B14F-4D97-AF65-F5344CB8AC3E}">
+        <p14:creationId xmlns:p14="http://schemas.microsoft.com/office/powerpoint/2010/main" val="1369489524"/>
+      </p:ext>
+    </p:extLst>
+  </p:cSld>
+  <p:clrMapOvr>
+    <a:masterClrMapping/>
+  </p:clrMapOvr>
+</p:sld>
+</file>
+
+<file path=ppt/slides/slide9.xml><?xml version="1.0" encoding="utf-8"?>
+<p:sld xmlns:a="http://schemas.openxmlformats.org/drawingml/2006/main" xmlns:r="http://schemas.openxmlformats.org/officeDocument/2006/relationships" xmlns:p="http://schemas.openxmlformats.org/presentationml/2006/main">
+  <p:cSld>
+    <p:spTree>
+      <p:nvGrpSpPr>
+        <p:cNvPr id="1" name=""/>
+        <p:cNvGrpSpPr/>
+        <p:nvPr/>
+      </p:nvGrpSpPr>
+      <p:grpSpPr>
+        <a:xfrm>
+          <a:off x="0" y="0"/>
+          <a:ext cx="0" cy="0"/>
+          <a:chOff x="0" y="0"/>
+          <a:chExt cx="0" cy="0"/>
+        </a:xfrm>
+      </p:grpSpPr>
+      <p:sp>
+        <p:nvSpPr>
+          <p:cNvPr id="2" name="1 Título"/>
+          <p:cNvSpPr>
+            <a:spLocks noGrp="1"/>
+          </p:cNvSpPr>
+          <p:nvPr>
+            <p:ph type="title"/>
+          </p:nvPr>
+        </p:nvSpPr>
+        <p:spPr/>
+        <p:txBody>
+          <a:bodyPr/>
+          <a:lstStyle/>
+          <a:p>
+            <a:r>
+              <a:rPr lang="es-ES" dirty="0" smtClean="0"/>
+              <a:t>Operador de cruce</a:t>
+            </a:r>
+            <a:endParaRPr lang="es-ES" dirty="0"/>
+          </a:p>
+        </p:txBody>
+      </p:sp>
+      <p:sp>
+        <p:nvSpPr>
+          <p:cNvPr id="3" name="2 Marcador de contenido"/>
+          <p:cNvSpPr>
+            <a:spLocks noGrp="1"/>
+          </p:cNvSpPr>
+          <p:nvPr>
+            <p:ph sz="quarter" idx="1"/>
+          </p:nvPr>
+        </p:nvSpPr>
+        <p:spPr/>
+        <p:txBody>
+          <a:bodyPr/>
+          <a:lstStyle/>
+          <a:p>
+            <a:endParaRPr lang="es-ES"/>
+          </a:p>
+        </p:txBody>
+      </p:sp>
+    </p:spTree>
+    <p:extLst>
+      <p:ext uri="{BB962C8B-B14F-4D97-AF65-F5344CB8AC3E}">
+        <p14:creationId xmlns:p14="http://schemas.microsoft.com/office/powerpoint/2010/main" val="173020308"/>
       </p:ext>
     </p:extLst>
   </p:cSld>
